--- a/presentation/Cheque Scanner.pptx
+++ b/presentation/Cheque Scanner.pptx
@@ -12,8 +12,8 @@
     <p:sldId id="260" r:id="rId6"/>
     <p:sldId id="261" r:id="rId7"/>
     <p:sldId id="264" r:id="rId8"/>
-    <p:sldId id="263" r:id="rId9"/>
-    <p:sldId id="269" r:id="rId10"/>
+    <p:sldId id="269" r:id="rId9"/>
+    <p:sldId id="270" r:id="rId10"/>
     <p:sldId id="267" r:id="rId11"/>
     <p:sldId id="268" r:id="rId12"/>
     <p:sldId id="265" r:id="rId13"/>
@@ -127,6 +127,7 @@
 <p1510:revInfo xmlns:a="http://schemas.openxmlformats.org/drawingml/2006/main" xmlns:r="http://schemas.openxmlformats.org/officeDocument/2006/relationships" xmlns:p1510="http://schemas.microsoft.com/office/powerpoint/2015/10/main">
   <p1510:revLst>
     <p1510:client id="{1A845DA5-767D-45E1-958C-12611078D6AB}" v="957" dt="2021-02-28T07:10:26.896"/>
+    <p1510:client id="{C9EACFA8-85BB-4228-A8AF-02C48CBEA260}" v="40" dt="2021-02-28T07:38:06.488"/>
   </p1510:revLst>
 </p1510:revInfo>
 </file>
@@ -1051,15 +1052,15 @@
 </file>
 
 <file path=ppt/diagrams/colors2.xml><?xml version="1.0" encoding="utf-8"?>
-<dgm:colorsDef xmlns:dgm="http://schemas.openxmlformats.org/drawingml/2006/diagram" xmlns:a="http://schemas.openxmlformats.org/drawingml/2006/main" uniqueId="urn:microsoft.com/office/officeart/2018/5/colors/Iconchunking_neutralbg_accent5_2">
+<dgm:colorsDef xmlns:dgm="http://schemas.openxmlformats.org/drawingml/2006/diagram" xmlns:a="http://schemas.openxmlformats.org/drawingml/2006/main" uniqueId="urn:microsoft.com/office/officeart/2005/8/colors/accent1_2">
   <dgm:title val=""/>
   <dgm:desc val=""/>
   <dgm:catLst>
-    <dgm:cat type="accent5" pri="15200"/>
+    <dgm:cat type="accent1" pri="11200"/>
   </dgm:catLst>
   <dgm:styleLbl name="node0">
     <dgm:fillClrLst meth="repeat">
-      <a:schemeClr val="accent5"/>
+      <a:schemeClr val="accent1"/>
     </dgm:fillClrLst>
     <dgm:linClrLst meth="repeat">
       <a:schemeClr val="lt1"/>
@@ -1069,35 +1070,21 @@
     <dgm:txFillClrLst/>
     <dgm:txEffectClrLst/>
   </dgm:styleLbl>
-  <dgm:styleLbl name="node1">
+  <dgm:styleLbl name="alignNode1">
     <dgm:fillClrLst meth="repeat">
-      <a:schemeClr val="accent5"/>
+      <a:schemeClr val="accent1"/>
     </dgm:fillClrLst>
     <dgm:linClrLst meth="repeat">
-      <a:schemeClr val="lt1">
-        <a:alpha val="0"/>
-      </a:schemeClr>
+      <a:schemeClr val="accent1"/>
     </dgm:linClrLst>
     <dgm:effectClrLst/>
     <dgm:txLinClrLst/>
     <dgm:txFillClrLst/>
     <dgm:txEffectClrLst/>
   </dgm:styleLbl>
-  <dgm:styleLbl name="alignNode1">
+  <dgm:styleLbl name="node1">
     <dgm:fillClrLst meth="repeat">
-      <a:schemeClr val="accent5"/>
-    </dgm:fillClrLst>
-    <dgm:linClrLst meth="repeat">
-      <a:schemeClr val="accent5"/>
-    </dgm:linClrLst>
-    <dgm:effectClrLst/>
-    <dgm:txLinClrLst/>
-    <dgm:txFillClrLst/>
-    <dgm:txEffectClrLst/>
-  </dgm:styleLbl>
-  <dgm:styleLbl name="lnNode1">
-    <dgm:fillClrLst meth="repeat">
-      <a:schemeClr val="accent5"/>
+      <a:schemeClr val="accent1"/>
     </dgm:fillClrLst>
     <dgm:linClrLst meth="repeat">
       <a:schemeClr val="lt1"/>
@@ -1107,9 +1094,21 @@
     <dgm:txFillClrLst/>
     <dgm:txEffectClrLst/>
   </dgm:styleLbl>
+  <dgm:styleLbl name="lnNode1">
+    <dgm:fillClrLst meth="repeat">
+      <a:schemeClr val="accent1"/>
+    </dgm:fillClrLst>
+    <dgm:linClrLst meth="repeat">
+      <a:schemeClr val="lt1"/>
+    </dgm:linClrLst>
+    <dgm:effectClrLst/>
+    <dgm:txLinClrLst/>
+    <dgm:txFillClrLst/>
+    <dgm:txEffectClrLst/>
+  </dgm:styleLbl>
   <dgm:styleLbl name="vennNode1">
     <dgm:fillClrLst meth="repeat">
-      <a:schemeClr val="accent5">
+      <a:schemeClr val="accent1">
         <a:alpha val="50000"/>
       </a:schemeClr>
     </dgm:fillClrLst>
@@ -1123,7 +1122,7 @@
   </dgm:styleLbl>
   <dgm:styleLbl name="node2">
     <dgm:fillClrLst meth="repeat">
-      <a:schemeClr val="accent5"/>
+      <a:schemeClr val="accent1"/>
     </dgm:fillClrLst>
     <dgm:linClrLst meth="repeat">
       <a:schemeClr val="lt1"/>
@@ -1135,7 +1134,7 @@
   </dgm:styleLbl>
   <dgm:styleLbl name="node3">
     <dgm:fillClrLst meth="repeat">
-      <a:schemeClr val="accent5"/>
+      <a:schemeClr val="accent1"/>
     </dgm:fillClrLst>
     <dgm:linClrLst meth="repeat">
       <a:schemeClr val="lt1"/>
@@ -1147,7 +1146,7 @@
   </dgm:styleLbl>
   <dgm:styleLbl name="node4">
     <dgm:fillClrLst meth="repeat">
-      <a:schemeClr val="accent5"/>
+      <a:schemeClr val="accent1"/>
     </dgm:fillClrLst>
     <dgm:linClrLst meth="repeat">
       <a:schemeClr val="lt1"/>
@@ -1159,7 +1158,7 @@
   </dgm:styleLbl>
   <dgm:styleLbl name="fgImgPlace1">
     <dgm:fillClrLst meth="repeat">
-      <a:schemeClr val="accent5">
+      <a:schemeClr val="accent1">
         <a:tint val="50000"/>
       </a:schemeClr>
     </dgm:fillClrLst>
@@ -1175,7 +1174,7 @@
   </dgm:styleLbl>
   <dgm:styleLbl name="alignImgPlace1">
     <dgm:fillClrLst meth="repeat">
-      <a:schemeClr val="accent5">
+      <a:schemeClr val="accent1">
         <a:tint val="50000"/>
       </a:schemeClr>
     </dgm:fillClrLst>
@@ -1191,7 +1190,7 @@
   </dgm:styleLbl>
   <dgm:styleLbl name="bgImgPlace1">
     <dgm:fillClrLst meth="repeat">
-      <a:schemeClr val="accent5">
+      <a:schemeClr val="accent1">
         <a:tint val="50000"/>
       </a:schemeClr>
     </dgm:fillClrLst>
@@ -1207,12 +1206,12 @@
   </dgm:styleLbl>
   <dgm:styleLbl name="sibTrans2D1">
     <dgm:fillClrLst meth="repeat">
-      <a:schemeClr val="accent5">
+      <a:schemeClr val="accent1">
         <a:tint val="60000"/>
       </a:schemeClr>
     </dgm:fillClrLst>
     <dgm:linClrLst meth="repeat">
-      <a:schemeClr val="accent5">
+      <a:schemeClr val="accent1">
         <a:tint val="60000"/>
       </a:schemeClr>
     </dgm:linClrLst>
@@ -1223,12 +1222,12 @@
   </dgm:styleLbl>
   <dgm:styleLbl name="fgSibTrans2D1">
     <dgm:fillClrLst meth="repeat">
-      <a:schemeClr val="accent5">
+      <a:schemeClr val="accent1">
         <a:tint val="60000"/>
       </a:schemeClr>
     </dgm:fillClrLst>
     <dgm:linClrLst meth="repeat">
-      <a:schemeClr val="accent5">
+      <a:schemeClr val="accent1">
         <a:tint val="60000"/>
       </a:schemeClr>
     </dgm:linClrLst>
@@ -1239,12 +1238,12 @@
   </dgm:styleLbl>
   <dgm:styleLbl name="bgSibTrans2D1">
     <dgm:fillClrLst meth="repeat">
-      <a:schemeClr val="accent5">
+      <a:schemeClr val="accent1">
         <a:tint val="60000"/>
       </a:schemeClr>
     </dgm:fillClrLst>
     <dgm:linClrLst meth="repeat">
-      <a:schemeClr val="accent5">
+      <a:schemeClr val="accent1">
         <a:tint val="60000"/>
       </a:schemeClr>
     </dgm:linClrLst>
@@ -1255,10 +1254,10 @@
   </dgm:styleLbl>
   <dgm:styleLbl name="sibTrans1D1">
     <dgm:fillClrLst meth="repeat">
-      <a:schemeClr val="accent5"/>
+      <a:schemeClr val="accent1"/>
     </dgm:fillClrLst>
     <dgm:linClrLst meth="repeat">
-      <a:schemeClr val="accent5"/>
+      <a:schemeClr val="accent1"/>
     </dgm:linClrLst>
     <dgm:effectClrLst/>
     <dgm:txLinClrLst/>
@@ -1269,10 +1268,10 @@
   </dgm:styleLbl>
   <dgm:styleLbl name="callout">
     <dgm:fillClrLst meth="repeat">
-      <a:schemeClr val="accent5"/>
+      <a:schemeClr val="accent1"/>
     </dgm:fillClrLst>
     <dgm:linClrLst meth="repeat">
-      <a:schemeClr val="accent5">
+      <a:schemeClr val="accent1">
         <a:tint val="50000"/>
       </a:schemeClr>
     </dgm:linClrLst>
@@ -1285,7 +1284,7 @@
   </dgm:styleLbl>
   <dgm:styleLbl name="asst0">
     <dgm:fillClrLst meth="repeat">
-      <a:schemeClr val="accent5"/>
+      <a:schemeClr val="accent1"/>
     </dgm:fillClrLst>
     <dgm:linClrLst meth="repeat">
       <a:schemeClr val="lt1"/>
@@ -1297,7 +1296,7 @@
   </dgm:styleLbl>
   <dgm:styleLbl name="asst1">
     <dgm:fillClrLst meth="repeat">
-      <a:schemeClr val="accent5"/>
+      <a:schemeClr val="accent1"/>
     </dgm:fillClrLst>
     <dgm:linClrLst meth="repeat">
       <a:schemeClr val="lt1"/>
@@ -1309,7 +1308,7 @@
   </dgm:styleLbl>
   <dgm:styleLbl name="asst2">
     <dgm:fillClrLst meth="repeat">
-      <a:schemeClr val="accent5"/>
+      <a:schemeClr val="accent1"/>
     </dgm:fillClrLst>
     <dgm:linClrLst meth="repeat">
       <a:schemeClr val="lt1"/>
@@ -1321,7 +1320,7 @@
   </dgm:styleLbl>
   <dgm:styleLbl name="asst3">
     <dgm:fillClrLst meth="repeat">
-      <a:schemeClr val="accent5"/>
+      <a:schemeClr val="accent1"/>
     </dgm:fillClrLst>
     <dgm:linClrLst meth="repeat">
       <a:schemeClr val="lt1"/>
@@ -1333,7 +1332,7 @@
   </dgm:styleLbl>
   <dgm:styleLbl name="asst4">
     <dgm:fillClrLst meth="repeat">
-      <a:schemeClr val="accent5"/>
+      <a:schemeClr val="accent1"/>
     </dgm:fillClrLst>
     <dgm:linClrLst meth="repeat">
       <a:schemeClr val="lt1"/>
@@ -1345,12 +1344,12 @@
   </dgm:styleLbl>
   <dgm:styleLbl name="parChTrans2D1">
     <dgm:fillClrLst meth="repeat">
-      <a:schemeClr val="accent5">
+      <a:schemeClr val="accent1">
         <a:tint val="60000"/>
       </a:schemeClr>
     </dgm:fillClrLst>
     <dgm:linClrLst meth="repeat">
-      <a:schemeClr val="accent5">
+      <a:schemeClr val="accent1">
         <a:tint val="60000"/>
       </a:schemeClr>
     </dgm:linClrLst>
@@ -1363,10 +1362,10 @@
   </dgm:styleLbl>
   <dgm:styleLbl name="parChTrans2D2">
     <dgm:fillClrLst meth="repeat">
-      <a:schemeClr val="accent5"/>
+      <a:schemeClr val="accent1"/>
     </dgm:fillClrLst>
     <dgm:linClrLst meth="repeat">
-      <a:schemeClr val="accent5"/>
+      <a:schemeClr val="accent1"/>
     </dgm:linClrLst>
     <dgm:effectClrLst/>
     <dgm:txLinClrLst/>
@@ -1377,10 +1376,10 @@
   </dgm:styleLbl>
   <dgm:styleLbl name="parChTrans2D3">
     <dgm:fillClrLst meth="repeat">
-      <a:schemeClr val="accent5"/>
+      <a:schemeClr val="accent1"/>
     </dgm:fillClrLst>
     <dgm:linClrLst meth="repeat">
-      <a:schemeClr val="accent5"/>
+      <a:schemeClr val="accent1"/>
     </dgm:linClrLst>
     <dgm:effectClrLst/>
     <dgm:txLinClrLst/>
@@ -1391,10 +1390,10 @@
   </dgm:styleLbl>
   <dgm:styleLbl name="parChTrans2D4">
     <dgm:fillClrLst meth="repeat">
-      <a:schemeClr val="accent5"/>
+      <a:schemeClr val="accent1"/>
     </dgm:fillClrLst>
     <dgm:linClrLst meth="repeat">
-      <a:schemeClr val="accent5"/>
+      <a:schemeClr val="accent1"/>
     </dgm:linClrLst>
     <dgm:effectClrLst/>
     <dgm:txLinClrLst/>
@@ -1405,10 +1404,10 @@
   </dgm:styleLbl>
   <dgm:styleLbl name="parChTrans1D1">
     <dgm:fillClrLst meth="repeat">
-      <a:schemeClr val="accent5"/>
+      <a:schemeClr val="accent1"/>
     </dgm:fillClrLst>
     <dgm:linClrLst meth="repeat">
-      <a:schemeClr val="accent5">
+      <a:schemeClr val="accent1">
         <a:shade val="60000"/>
       </a:schemeClr>
     </dgm:linClrLst>
@@ -1421,10 +1420,10 @@
   </dgm:styleLbl>
   <dgm:styleLbl name="parChTrans1D2">
     <dgm:fillClrLst meth="repeat">
-      <a:schemeClr val="accent5"/>
+      <a:schemeClr val="accent1"/>
     </dgm:fillClrLst>
     <dgm:linClrLst meth="repeat">
-      <a:schemeClr val="accent5">
+      <a:schemeClr val="accent1">
         <a:shade val="60000"/>
       </a:schemeClr>
     </dgm:linClrLst>
@@ -1437,10 +1436,10 @@
   </dgm:styleLbl>
   <dgm:styleLbl name="parChTrans1D3">
     <dgm:fillClrLst meth="repeat">
-      <a:schemeClr val="accent5"/>
+      <a:schemeClr val="accent1"/>
     </dgm:fillClrLst>
     <dgm:linClrLst meth="repeat">
-      <a:schemeClr val="accent5">
+      <a:schemeClr val="accent1">
         <a:shade val="80000"/>
       </a:schemeClr>
     </dgm:linClrLst>
@@ -1453,10 +1452,10 @@
   </dgm:styleLbl>
   <dgm:styleLbl name="parChTrans1D4">
     <dgm:fillClrLst meth="repeat">
-      <a:schemeClr val="accent5"/>
+      <a:schemeClr val="accent1"/>
     </dgm:fillClrLst>
     <dgm:linClrLst meth="repeat">
-      <a:schemeClr val="accent5">
+      <a:schemeClr val="accent1">
         <a:shade val="80000"/>
       </a:schemeClr>
     </dgm:linClrLst>
@@ -1474,7 +1473,7 @@
       </a:schemeClr>
     </dgm:fillClrLst>
     <dgm:linClrLst meth="repeat">
-      <a:schemeClr val="accent5"/>
+      <a:schemeClr val="accent1"/>
     </dgm:linClrLst>
     <dgm:effectClrLst/>
     <dgm:txLinClrLst/>
@@ -1490,7 +1489,7 @@
       </a:schemeClr>
     </dgm:fillClrLst>
     <dgm:linClrLst meth="repeat">
-      <a:schemeClr val="accent5"/>
+      <a:schemeClr val="accent1"/>
     </dgm:linClrLst>
     <dgm:effectClrLst/>
     <dgm:txLinClrLst/>
@@ -1506,7 +1505,7 @@
       </a:schemeClr>
     </dgm:fillClrLst>
     <dgm:linClrLst meth="repeat">
-      <a:schemeClr val="accent5"/>
+      <a:schemeClr val="accent1"/>
     </dgm:linClrLst>
     <dgm:effectClrLst/>
     <dgm:txLinClrLst/>
@@ -1522,7 +1521,7 @@
       </a:schemeClr>
     </dgm:fillClrLst>
     <dgm:linClrLst meth="repeat">
-      <a:schemeClr val="accent5"/>
+      <a:schemeClr val="accent1"/>
     </dgm:linClrLst>
     <dgm:effectClrLst/>
     <dgm:txLinClrLst/>
@@ -1538,7 +1537,7 @@
       </a:schemeClr>
     </dgm:fillClrLst>
     <dgm:linClrLst meth="repeat">
-      <a:schemeClr val="accent5"/>
+      <a:schemeClr val="accent1"/>
     </dgm:linClrLst>
     <dgm:effectClrLst/>
     <dgm:txLinClrLst/>
@@ -1552,7 +1551,7 @@
       <a:schemeClr val="lt1"/>
     </dgm:fillClrLst>
     <dgm:linClrLst meth="repeat">
-      <a:schemeClr val="accent5"/>
+      <a:schemeClr val="accent1"/>
     </dgm:linClrLst>
     <dgm:effectClrLst/>
     <dgm:txLinClrLst/>
@@ -1566,7 +1565,7 @@
       <a:schemeClr val="lt1"/>
     </dgm:fillClrLst>
     <dgm:linClrLst meth="repeat">
-      <a:schemeClr val="accent5"/>
+      <a:schemeClr val="accent1"/>
     </dgm:linClrLst>
     <dgm:effectClrLst/>
     <dgm:txLinClrLst/>
@@ -1580,7 +1579,7 @@
       <a:schemeClr val="lt1"/>
     </dgm:fillClrLst>
     <dgm:linClrLst meth="repeat">
-      <a:schemeClr val="accent5"/>
+      <a:schemeClr val="accent1"/>
     </dgm:linClrLst>
     <dgm:effectClrLst/>
     <dgm:txLinClrLst/>
@@ -1591,13 +1590,13 @@
   </dgm:styleLbl>
   <dgm:styleLbl name="fgAccFollowNode1">
     <dgm:fillClrLst meth="repeat">
-      <a:schemeClr val="accent5">
+      <a:schemeClr val="accent1">
         <a:alpha val="90000"/>
         <a:tint val="40000"/>
       </a:schemeClr>
     </dgm:fillClrLst>
     <dgm:linClrLst meth="repeat">
-      <a:schemeClr val="accent5">
+      <a:schemeClr val="accent1">
         <a:alpha val="90000"/>
         <a:tint val="40000"/>
       </a:schemeClr>
@@ -1611,13 +1610,13 @@
   </dgm:styleLbl>
   <dgm:styleLbl name="alignAccFollowNode1">
     <dgm:fillClrLst meth="repeat">
-      <a:schemeClr val="accent5">
+      <a:schemeClr val="accent1">
         <a:alpha val="90000"/>
         <a:tint val="40000"/>
       </a:schemeClr>
     </dgm:fillClrLst>
     <dgm:linClrLst meth="repeat">
-      <a:schemeClr val="accent5">
+      <a:schemeClr val="accent1">
         <a:alpha val="90000"/>
         <a:tint val="40000"/>
       </a:schemeClr>
@@ -1631,13 +1630,13 @@
   </dgm:styleLbl>
   <dgm:styleLbl name="bgAccFollowNode1">
     <dgm:fillClrLst meth="repeat">
-      <a:schemeClr val="accent5">
+      <a:schemeClr val="accent1">
         <a:alpha val="90000"/>
         <a:tint val="40000"/>
       </a:schemeClr>
     </dgm:fillClrLst>
     <dgm:linClrLst meth="repeat">
-      <a:schemeClr val="accent5">
+      <a:schemeClr val="accent1">
         <a:alpha val="90000"/>
         <a:tint val="40000"/>
       </a:schemeClr>
@@ -1656,7 +1655,7 @@
       </a:schemeClr>
     </dgm:fillClrLst>
     <dgm:linClrLst meth="repeat">
-      <a:schemeClr val="accent5"/>
+      <a:schemeClr val="accent1"/>
     </dgm:linClrLst>
     <dgm:effectClrLst/>
     <dgm:txLinClrLst/>
@@ -1672,7 +1671,7 @@
       </a:schemeClr>
     </dgm:fillClrLst>
     <dgm:linClrLst meth="repeat">
-      <a:schemeClr val="accent5"/>
+      <a:schemeClr val="accent1"/>
     </dgm:linClrLst>
     <dgm:effectClrLst/>
     <dgm:txLinClrLst/>
@@ -1688,7 +1687,7 @@
       </a:schemeClr>
     </dgm:fillClrLst>
     <dgm:linClrLst meth="repeat">
-      <a:schemeClr val="accent5"/>
+      <a:schemeClr val="accent1"/>
     </dgm:linClrLst>
     <dgm:effectClrLst/>
     <dgm:txLinClrLst/>
@@ -1704,7 +1703,7 @@
       </a:schemeClr>
     </dgm:fillClrLst>
     <dgm:linClrLst meth="repeat">
-      <a:schemeClr val="accent5"/>
+      <a:schemeClr val="accent1"/>
     </dgm:linClrLst>
     <dgm:effectClrLst/>
     <dgm:txLinClrLst/>
@@ -1715,12 +1714,12 @@
   </dgm:styleLbl>
   <dgm:styleLbl name="bgShp">
     <dgm:fillClrLst meth="repeat">
-      <a:schemeClr val="bg1">
-        <a:lumMod val="95000"/>
+      <a:schemeClr val="accent1">
+        <a:tint val="40000"/>
       </a:schemeClr>
     </dgm:fillClrLst>
     <dgm:linClrLst meth="repeat">
-      <a:schemeClr val="accent5"/>
+      <a:schemeClr val="accent1"/>
     </dgm:linClrLst>
     <dgm:effectClrLst/>
     <dgm:txLinClrLst/>
@@ -1731,12 +1730,12 @@
   </dgm:styleLbl>
   <dgm:styleLbl name="dkBgShp">
     <dgm:fillClrLst meth="repeat">
-      <a:schemeClr val="accent5">
+      <a:schemeClr val="accent1">
         <a:shade val="80000"/>
       </a:schemeClr>
     </dgm:fillClrLst>
     <dgm:linClrLst meth="repeat">
-      <a:schemeClr val="accent5"/>
+      <a:schemeClr val="accent1"/>
     </dgm:linClrLst>
     <dgm:effectClrLst/>
     <dgm:txLinClrLst/>
@@ -1747,13 +1746,13 @@
   </dgm:styleLbl>
   <dgm:styleLbl name="trBgShp">
     <dgm:fillClrLst meth="repeat">
-      <a:schemeClr val="accent5">
+      <a:schemeClr val="accent1">
         <a:tint val="50000"/>
         <a:alpha val="40000"/>
       </a:schemeClr>
     </dgm:fillClrLst>
     <dgm:linClrLst meth="repeat">
-      <a:schemeClr val="accent5"/>
+      <a:schemeClr val="accent1"/>
     </dgm:linClrLst>
     <dgm:effectClrLst/>
     <dgm:txLinClrLst/>
@@ -1764,7 +1763,7 @@
   </dgm:styleLbl>
   <dgm:styleLbl name="fgShp">
     <dgm:fillClrLst meth="repeat">
-      <a:schemeClr val="accent5">
+      <a:schemeClr val="accent1">
         <a:tint val="60000"/>
       </a:schemeClr>
     </dgm:fillClrLst>
@@ -2148,8 +2147,8 @@
 <file path=ppt/diagrams/data2.xml><?xml version="1.0" encoding="utf-8"?>
 <dgm:dataModel xmlns:dgm="http://schemas.openxmlformats.org/drawingml/2006/diagram" xmlns:a="http://schemas.openxmlformats.org/drawingml/2006/main">
   <dgm:ptLst>
-    <dgm:pt modelId="{3AEA3DF4-1D30-4F9D-A269-DF87D1AA7CC2}" type="doc">
-      <dgm:prSet loTypeId="urn:microsoft.com/office/officeart/2018/2/layout/IconVerticalSolidList" loCatId="icon" qsTypeId="urn:microsoft.com/office/officeart/2005/8/quickstyle/simple1" qsCatId="simple" csTypeId="urn:microsoft.com/office/officeart/2018/5/colors/Iconchunking_neutralbg_accent5_2" csCatId="accent5" phldr="1"/>
+    <dgm:pt modelId="{3EEBB949-461F-4234-9D18-6BC6EA395307}" type="doc">
+      <dgm:prSet loTypeId="urn:microsoft.com/office/officeart/2018/2/layout/IconLabelList" loCatId="icon" qsTypeId="urn:microsoft.com/office/officeart/2005/8/quickstyle/simple1" qsCatId="simple" csTypeId="urn:microsoft.com/office/officeart/2005/8/colors/accent1_2" csCatId="accent1" phldr="1"/>
       <dgm:spPr/>
       <dgm:t>
         <a:bodyPr/>
@@ -2159,55 +2158,7 @@
         </a:p>
       </dgm:t>
     </dgm:pt>
-    <dgm:pt modelId="{3C78E041-076E-430E-A802-253C0BAA7962}">
-      <dgm:prSet/>
-      <dgm:spPr/>
-      <dgm:t>
-        <a:bodyPr/>
-        <a:lstStyle/>
-        <a:p>
-          <a:pPr>
-            <a:lnSpc>
-              <a:spcPct val="100000"/>
-            </a:lnSpc>
-          </a:pPr>
-          <a:r>
-            <a:rPr lang="en-GB">
-              <a:latin typeface="Bodoni MT" panose="02040603050505030304"/>
-            </a:rPr>
-            <a:t>Saves</a:t>
-          </a:r>
-          <a:r>
-            <a:rPr lang="en-GB"/>
-            <a:t> time, Money and Resources</a:t>
-          </a:r>
-          <a:endParaRPr lang="en-US"/>
-        </a:p>
-      </dgm:t>
-    </dgm:pt>
-    <dgm:pt modelId="{F586051B-2659-4F7E-8F2B-E89E9FCDF053}" type="parTrans" cxnId="{4ED654C4-9514-4E70-B9FE-1EA0ECF94DAF}">
-      <dgm:prSet/>
-      <dgm:spPr/>
-      <dgm:t>
-        <a:bodyPr/>
-        <a:lstStyle/>
-        <a:p>
-          <a:endParaRPr lang="en-US"/>
-        </a:p>
-      </dgm:t>
-    </dgm:pt>
-    <dgm:pt modelId="{49E1A334-DD5F-436A-981D-C5186341D15D}" type="sibTrans" cxnId="{4ED654C4-9514-4E70-B9FE-1EA0ECF94DAF}">
-      <dgm:prSet/>
-      <dgm:spPr/>
-      <dgm:t>
-        <a:bodyPr/>
-        <a:lstStyle/>
-        <a:p>
-          <a:endParaRPr lang="en-US"/>
-        </a:p>
-      </dgm:t>
-    </dgm:pt>
-    <dgm:pt modelId="{846766B3-0777-4FDE-B282-94DEA93D993B}">
+    <dgm:pt modelId="{358857FE-C7DA-42E7-8430-7FC4EEF77E2A}">
       <dgm:prSet/>
       <dgm:spPr/>
       <dgm:t>
@@ -2221,13 +2172,13 @@
           </a:pPr>
           <a:r>
             <a:rPr lang="en-GB"/>
-            <a:t>Improves Data Efficiency</a:t>
+            <a:t>Simple and easy to use app on android device.</a:t>
           </a:r>
           <a:endParaRPr lang="en-US"/>
         </a:p>
       </dgm:t>
     </dgm:pt>
-    <dgm:pt modelId="{A5BB4219-61CE-491F-88CB-9A9A7DA09316}" type="parTrans" cxnId="{2F9ED147-416B-4847-AAB6-A49E8B651A2D}">
+    <dgm:pt modelId="{BBBF4C31-785A-4002-882A-2062AB426C87}" type="parTrans" cxnId="{EF5B38EA-6B4F-455C-9733-F76D638BBA7D}">
       <dgm:prSet/>
       <dgm:spPr/>
       <dgm:t>
@@ -2238,7 +2189,7 @@
         </a:p>
       </dgm:t>
     </dgm:pt>
-    <dgm:pt modelId="{A2C0E6DE-5BED-4955-BC48-785BF6B85E0C}" type="sibTrans" cxnId="{2F9ED147-416B-4847-AAB6-A49E8B651A2D}">
+    <dgm:pt modelId="{8FD8F38E-4274-4449-B256-CA15C08685D2}" type="sibTrans" cxnId="{EF5B38EA-6B4F-455C-9733-F76D638BBA7D}">
       <dgm:prSet/>
       <dgm:spPr/>
       <dgm:t>
@@ -2249,8 +2200,8 @@
         </a:p>
       </dgm:t>
     </dgm:pt>
-    <dgm:pt modelId="{2A355F9F-1208-49B0-ABD0-F4136EFE6E3D}">
-      <dgm:prSet phldr="0"/>
+    <dgm:pt modelId="{739C5067-0382-44A8-B46E-6FC9DFA033B4}">
+      <dgm:prSet/>
       <dgm:spPr/>
       <dgm:t>
         <a:bodyPr/>
@@ -2262,24 +2213,79 @@
             </a:lnSpc>
           </a:pPr>
           <a:r>
-            <a:rPr lang="en-GB">
-              <a:latin typeface="Bodoni MT" panose="02040603050505030304"/>
-            </a:rPr>
-            <a:t>Simple and easy to use app on android device.</a:t>
+            <a:rPr lang="en-GB"/>
+            <a:t>Saves time, Money and Resources</a:t>
           </a:r>
+          <a:endParaRPr lang="en-US"/>
         </a:p>
       </dgm:t>
     </dgm:pt>
-    <dgm:pt modelId="{3FC34BDD-C8F9-4071-B5F3-2187152C4196}" type="parTrans" cxnId="{0890BC1C-AA2D-4BE2-9D95-793B47FDB128}">
+    <dgm:pt modelId="{3B142DD0-7E98-48C0-8477-9E8E65961BBC}" type="parTrans" cxnId="{4064F329-B93D-40AB-BC38-A940676D75EE}">
       <dgm:prSet/>
       <dgm:spPr/>
+      <dgm:t>
+        <a:bodyPr/>
+        <a:lstStyle/>
+        <a:p>
+          <a:endParaRPr lang="en-US"/>
+        </a:p>
+      </dgm:t>
     </dgm:pt>
-    <dgm:pt modelId="{FF7562DD-603E-4545-8A1A-5C07C54266E3}" type="sibTrans" cxnId="{0890BC1C-AA2D-4BE2-9D95-793B47FDB128}">
+    <dgm:pt modelId="{F0EA7749-8D0B-4070-B8B2-2C5090F3D096}" type="sibTrans" cxnId="{4064F329-B93D-40AB-BC38-A940676D75EE}">
       <dgm:prSet/>
       <dgm:spPr/>
+      <dgm:t>
+        <a:bodyPr/>
+        <a:lstStyle/>
+        <a:p>
+          <a:endParaRPr lang="en-US"/>
+        </a:p>
+      </dgm:t>
     </dgm:pt>
-    <dgm:pt modelId="{0016734A-8FEC-4D6B-B3F9-859D01AF0BC0}" type="pres">
-      <dgm:prSet presAssocID="{3AEA3DF4-1D30-4F9D-A269-DF87D1AA7CC2}" presName="root" presStyleCnt="0">
+    <dgm:pt modelId="{9E711860-E94C-4609-BA1A-E9275034D9E9}">
+      <dgm:prSet/>
+      <dgm:spPr/>
+      <dgm:t>
+        <a:bodyPr/>
+        <a:lstStyle/>
+        <a:p>
+          <a:pPr>
+            <a:lnSpc>
+              <a:spcPct val="100000"/>
+            </a:lnSpc>
+          </a:pPr>
+          <a:r>
+            <a:rPr lang="en-GB"/>
+            <a:t>Improves Data Efficiency</a:t>
+          </a:r>
+          <a:endParaRPr lang="en-US"/>
+        </a:p>
+      </dgm:t>
+    </dgm:pt>
+    <dgm:pt modelId="{21149183-2B9B-490E-BE16-37854E9ED42B}" type="parTrans" cxnId="{D60B5D00-D0A7-48E5-849A-F9414E4E177D}">
+      <dgm:prSet/>
+      <dgm:spPr/>
+      <dgm:t>
+        <a:bodyPr/>
+        <a:lstStyle/>
+        <a:p>
+          <a:endParaRPr lang="en-US"/>
+        </a:p>
+      </dgm:t>
+    </dgm:pt>
+    <dgm:pt modelId="{6C71B2BA-5A46-4262-8D73-77ADF16B2DE4}" type="sibTrans" cxnId="{D60B5D00-D0A7-48E5-849A-F9414E4E177D}">
+      <dgm:prSet/>
+      <dgm:spPr/>
+      <dgm:t>
+        <a:bodyPr/>
+        <a:lstStyle/>
+        <a:p>
+          <a:endParaRPr lang="en-US"/>
+        </a:p>
+      </dgm:t>
+    </dgm:pt>
+    <dgm:pt modelId="{0B0D7F31-468D-41F7-BFAE-1D3127CDCB6A}" type="pres">
+      <dgm:prSet presAssocID="{3EEBB949-461F-4234-9D18-6BC6EA395307}" presName="root" presStyleCnt="0">
         <dgm:presLayoutVars>
           <dgm:dir/>
           <dgm:resizeHandles val="exact"/>
@@ -2287,49 +2293,12 @@
       </dgm:prSet>
       <dgm:spPr/>
     </dgm:pt>
-    <dgm:pt modelId="{D16B0B06-3D95-4F40-81E4-6244CDA57790}" type="pres">
-      <dgm:prSet presAssocID="{2A355F9F-1208-49B0-ABD0-F4136EFE6E3D}" presName="compNode" presStyleCnt="0"/>
+    <dgm:pt modelId="{23E16C18-B22E-4023-B56F-D6941A8FCC9B}" type="pres">
+      <dgm:prSet presAssocID="{358857FE-C7DA-42E7-8430-7FC4EEF77E2A}" presName="compNode" presStyleCnt="0"/>
       <dgm:spPr/>
     </dgm:pt>
-    <dgm:pt modelId="{DA7EF6EF-FDC7-41E6-A4E2-A9FD907AF76B}" type="pres">
-      <dgm:prSet presAssocID="{2A355F9F-1208-49B0-ABD0-F4136EFE6E3D}" presName="bgRect" presStyleLbl="bgShp" presStyleIdx="0" presStyleCnt="3"/>
-      <dgm:spPr/>
-    </dgm:pt>
-    <dgm:pt modelId="{645611B1-4E29-497C-9010-84F17A3B7C3A}" type="pres">
-      <dgm:prSet presAssocID="{2A355F9F-1208-49B0-ABD0-F4136EFE6E3D}" presName="iconRect" presStyleLbl="node1" presStyleIdx="0" presStyleCnt="3"/>
-      <dgm:spPr>
-        <a:ln>
-          <a:noFill/>
-        </a:ln>
-      </dgm:spPr>
-    </dgm:pt>
-    <dgm:pt modelId="{00DCBB68-100A-4991-B2EB-5E85E3295A02}" type="pres">
-      <dgm:prSet presAssocID="{2A355F9F-1208-49B0-ABD0-F4136EFE6E3D}" presName="spaceRect" presStyleCnt="0"/>
-      <dgm:spPr/>
-    </dgm:pt>
-    <dgm:pt modelId="{27D58D8F-707A-486A-947F-AD0FFDF513FB}" type="pres">
-      <dgm:prSet presAssocID="{2A355F9F-1208-49B0-ABD0-F4136EFE6E3D}" presName="parTx" presStyleLbl="revTx" presStyleIdx="0" presStyleCnt="3">
-        <dgm:presLayoutVars>
-          <dgm:chMax val="0"/>
-          <dgm:chPref val="0"/>
-        </dgm:presLayoutVars>
-      </dgm:prSet>
-      <dgm:spPr/>
-    </dgm:pt>
-    <dgm:pt modelId="{1F600DE7-63B0-46ED-B5D1-79940DCEFCE4}" type="pres">
-      <dgm:prSet presAssocID="{FF7562DD-603E-4545-8A1A-5C07C54266E3}" presName="sibTrans" presStyleCnt="0"/>
-      <dgm:spPr/>
-    </dgm:pt>
-    <dgm:pt modelId="{3B15F113-4F66-4336-9511-04CD92F720B5}" type="pres">
-      <dgm:prSet presAssocID="{3C78E041-076E-430E-A802-253C0BAA7962}" presName="compNode" presStyleCnt="0"/>
-      <dgm:spPr/>
-    </dgm:pt>
-    <dgm:pt modelId="{E55A4A21-72D6-4F9A-A709-8C294CA0A90F}" type="pres">
-      <dgm:prSet presAssocID="{3C78E041-076E-430E-A802-253C0BAA7962}" presName="bgRect" presStyleLbl="bgShp" presStyleIdx="1" presStyleCnt="3"/>
-      <dgm:spPr/>
-    </dgm:pt>
-    <dgm:pt modelId="{C309057B-9699-4C9A-8FE2-47A0BBF352F7}" type="pres">
-      <dgm:prSet presAssocID="{3C78E041-076E-430E-A802-253C0BAA7962}" presName="iconRect" presStyleLbl="node1" presStyleIdx="1" presStyleCnt="3"/>
+    <dgm:pt modelId="{868E2218-FA7E-4A7B-9BD5-DB23500398CC}" type="pres">
+      <dgm:prSet presAssocID="{358857FE-C7DA-42E7-8430-7FC4EEF77E2A}" presName="iconRect" presStyleLbl="node1" presStyleIdx="0" presStyleCnt="3"/>
       <dgm:spPr>
         <a:blipFill>
           <a:blip xmlns:r="http://schemas.openxmlformats.org/officeDocument/2006/relationships" r:embed="rId1">
@@ -2346,43 +2315,36 @@
             <a:fillRect/>
           </a:stretch>
         </a:blipFill>
-        <a:ln>
-          <a:noFill/>
-        </a:ln>
       </dgm:spPr>
       <dgm:extLst>
         <a:ext uri="{E40237B7-FDA0-4F09-8148-C483321AD2D9}">
-          <dgm14:cNvPr xmlns:dgm14="http://schemas.microsoft.com/office/drawing/2010/diagram" id="0" name="" descr="Piggy Bank"/>
+          <dgm14:cNvPr xmlns:dgm14="http://schemas.microsoft.com/office/drawing/2010/diagram" id="0" name="" descr="Smart Phone"/>
         </a:ext>
       </dgm:extLst>
     </dgm:pt>
-    <dgm:pt modelId="{4A54DDF6-C160-4F38-A623-93BBEEEBCA48}" type="pres">
-      <dgm:prSet presAssocID="{3C78E041-076E-430E-A802-253C0BAA7962}" presName="spaceRect" presStyleCnt="0"/>
+    <dgm:pt modelId="{914DB0FD-517F-4398-B76E-40D4664B7510}" type="pres">
+      <dgm:prSet presAssocID="{358857FE-C7DA-42E7-8430-7FC4EEF77E2A}" presName="spaceRect" presStyleCnt="0"/>
       <dgm:spPr/>
     </dgm:pt>
-    <dgm:pt modelId="{5E87619D-E1A0-42B6-B898-0339581A03D6}" type="pres">
-      <dgm:prSet presAssocID="{3C78E041-076E-430E-A802-253C0BAA7962}" presName="parTx" presStyleLbl="revTx" presStyleIdx="1" presStyleCnt="3">
+    <dgm:pt modelId="{36D46B2C-7668-429C-8CBD-86F57E8A1E55}" type="pres">
+      <dgm:prSet presAssocID="{358857FE-C7DA-42E7-8430-7FC4EEF77E2A}" presName="textRect" presStyleLbl="revTx" presStyleIdx="0" presStyleCnt="3">
         <dgm:presLayoutVars>
-          <dgm:chMax val="0"/>
-          <dgm:chPref val="0"/>
+          <dgm:chMax val="1"/>
+          <dgm:chPref val="1"/>
         </dgm:presLayoutVars>
       </dgm:prSet>
       <dgm:spPr/>
     </dgm:pt>
-    <dgm:pt modelId="{23837FB5-8EEA-4DBE-A9E8-382FCE6130B5}" type="pres">
-      <dgm:prSet presAssocID="{49E1A334-DD5F-436A-981D-C5186341D15D}" presName="sibTrans" presStyleCnt="0"/>
+    <dgm:pt modelId="{F6B1D273-482F-462E-B4ED-FFB75116E96F}" type="pres">
+      <dgm:prSet presAssocID="{8FD8F38E-4274-4449-B256-CA15C08685D2}" presName="sibTrans" presStyleCnt="0"/>
       <dgm:spPr/>
     </dgm:pt>
-    <dgm:pt modelId="{F1F7F7D9-FBEF-4E5F-B46B-237EDA74C659}" type="pres">
-      <dgm:prSet presAssocID="{846766B3-0777-4FDE-B282-94DEA93D993B}" presName="compNode" presStyleCnt="0"/>
+    <dgm:pt modelId="{A11758F3-BB00-480B-AF73-EDDB52374EC4}" type="pres">
+      <dgm:prSet presAssocID="{739C5067-0382-44A8-B46E-6FC9DFA033B4}" presName="compNode" presStyleCnt="0"/>
       <dgm:spPr/>
     </dgm:pt>
-    <dgm:pt modelId="{791C3413-4CB8-4096-AB2C-405E852B5DB3}" type="pres">
-      <dgm:prSet presAssocID="{846766B3-0777-4FDE-B282-94DEA93D993B}" presName="bgRect" presStyleLbl="bgShp" presStyleIdx="2" presStyleCnt="3"/>
-      <dgm:spPr/>
-    </dgm:pt>
-    <dgm:pt modelId="{C5436FD8-8D88-43EA-BA6E-C35EA68E582B}" type="pres">
-      <dgm:prSet presAssocID="{846766B3-0777-4FDE-B282-94DEA93D993B}" presName="iconRect" presStyleLbl="node1" presStyleIdx="2" presStyleCnt="3"/>
+    <dgm:pt modelId="{DE53E569-358A-454D-B8F6-D0D29224BF5E}" type="pres">
+      <dgm:prSet presAssocID="{739C5067-0382-44A8-B46E-6FC9DFA033B4}" presName="iconRect" presStyleLbl="node1" presStyleIdx="1" presStyleCnt="3"/>
       <dgm:spPr>
         <a:blipFill>
           <a:blip xmlns:r="http://schemas.openxmlformats.org/officeDocument/2006/relationships" r:embed="rId3">
@@ -2399,9 +2361,52 @@
             <a:fillRect/>
           </a:stretch>
         </a:blipFill>
-        <a:ln>
-          <a:noFill/>
-        </a:ln>
+      </dgm:spPr>
+      <dgm:extLst>
+        <a:ext uri="{E40237B7-FDA0-4F09-8148-C483321AD2D9}">
+          <dgm14:cNvPr xmlns:dgm14="http://schemas.microsoft.com/office/drawing/2010/diagram" id="0" name="" descr="Piggy Bank"/>
+        </a:ext>
+      </dgm:extLst>
+    </dgm:pt>
+    <dgm:pt modelId="{F0D97524-8449-4A95-A212-B9A4A44AB7A6}" type="pres">
+      <dgm:prSet presAssocID="{739C5067-0382-44A8-B46E-6FC9DFA033B4}" presName="spaceRect" presStyleCnt="0"/>
+      <dgm:spPr/>
+    </dgm:pt>
+    <dgm:pt modelId="{0826E06D-AAF5-4429-9FD0-428F0322B63A}" type="pres">
+      <dgm:prSet presAssocID="{739C5067-0382-44A8-B46E-6FC9DFA033B4}" presName="textRect" presStyleLbl="revTx" presStyleIdx="1" presStyleCnt="3">
+        <dgm:presLayoutVars>
+          <dgm:chMax val="1"/>
+          <dgm:chPref val="1"/>
+        </dgm:presLayoutVars>
+      </dgm:prSet>
+      <dgm:spPr/>
+    </dgm:pt>
+    <dgm:pt modelId="{1F5B2202-8A74-457C-B84F-FE2E6EDD85C0}" type="pres">
+      <dgm:prSet presAssocID="{F0EA7749-8D0B-4070-B8B2-2C5090F3D096}" presName="sibTrans" presStyleCnt="0"/>
+      <dgm:spPr/>
+    </dgm:pt>
+    <dgm:pt modelId="{42FFEB85-D2A5-429F-BDA8-0DBA302F7491}" type="pres">
+      <dgm:prSet presAssocID="{9E711860-E94C-4609-BA1A-E9275034D9E9}" presName="compNode" presStyleCnt="0"/>
+      <dgm:spPr/>
+    </dgm:pt>
+    <dgm:pt modelId="{BA993B66-366A-4FCF-8506-309604E0508B}" type="pres">
+      <dgm:prSet presAssocID="{9E711860-E94C-4609-BA1A-E9275034D9E9}" presName="iconRect" presStyleLbl="node1" presStyleIdx="2" presStyleCnt="3"/>
+      <dgm:spPr>
+        <a:blipFill>
+          <a:blip xmlns:r="http://schemas.openxmlformats.org/officeDocument/2006/relationships" r:embed="rId5">
+            <a:extLst>
+              <a:ext uri="{28A0092B-C50C-407E-A947-70E740481C1C}">
+                <a14:useLocalDpi xmlns:a14="http://schemas.microsoft.com/office/drawing/2010/main" val="0"/>
+              </a:ext>
+              <a:ext uri="{96DAC541-7B7A-43D3-8B79-37D633B846F1}">
+                <asvg:svgBlip xmlns:asvg="http://schemas.microsoft.com/office/drawing/2016/SVG/main" r:embed="rId6"/>
+              </a:ext>
+            </a:extLst>
+          </a:blip>
+          <a:stretch>
+            <a:fillRect/>
+          </a:stretch>
+        </a:blipFill>
       </dgm:spPr>
       <dgm:extLst>
         <a:ext uri="{E40237B7-FDA0-4F09-8148-C483321AD2D9}">
@@ -2409,51 +2414,48 @@
         </a:ext>
       </dgm:extLst>
     </dgm:pt>
-    <dgm:pt modelId="{ECB51E6B-6A75-4B75-94D1-CEFD58EBB033}" type="pres">
-      <dgm:prSet presAssocID="{846766B3-0777-4FDE-B282-94DEA93D993B}" presName="spaceRect" presStyleCnt="0"/>
+    <dgm:pt modelId="{EF06545C-1F67-4532-AF93-6062535E6270}" type="pres">
+      <dgm:prSet presAssocID="{9E711860-E94C-4609-BA1A-E9275034D9E9}" presName="spaceRect" presStyleCnt="0"/>
       <dgm:spPr/>
     </dgm:pt>
-    <dgm:pt modelId="{CD2AAF71-6311-425D-905A-16B12FAC2E83}" type="pres">
-      <dgm:prSet presAssocID="{846766B3-0777-4FDE-B282-94DEA93D993B}" presName="parTx" presStyleLbl="revTx" presStyleIdx="2" presStyleCnt="3">
+    <dgm:pt modelId="{B6B62DF2-EF21-4A2A-A76A-6732266BEA47}" type="pres">
+      <dgm:prSet presAssocID="{9E711860-E94C-4609-BA1A-E9275034D9E9}" presName="textRect" presStyleLbl="revTx" presStyleIdx="2" presStyleCnt="3">
         <dgm:presLayoutVars>
-          <dgm:chMax val="0"/>
-          <dgm:chPref val="0"/>
+          <dgm:chMax val="1"/>
+          <dgm:chPref val="1"/>
         </dgm:presLayoutVars>
       </dgm:prSet>
       <dgm:spPr/>
     </dgm:pt>
   </dgm:ptLst>
   <dgm:cxnLst>
-    <dgm:cxn modelId="{0890BC1C-AA2D-4BE2-9D95-793B47FDB128}" srcId="{3AEA3DF4-1D30-4F9D-A269-DF87D1AA7CC2}" destId="{2A355F9F-1208-49B0-ABD0-F4136EFE6E3D}" srcOrd="0" destOrd="0" parTransId="{3FC34BDD-C8F9-4071-B5F3-2187152C4196}" sibTransId="{FF7562DD-603E-4545-8A1A-5C07C54266E3}"/>
-    <dgm:cxn modelId="{2F9ED147-416B-4847-AAB6-A49E8B651A2D}" srcId="{3AEA3DF4-1D30-4F9D-A269-DF87D1AA7CC2}" destId="{846766B3-0777-4FDE-B282-94DEA93D993B}" srcOrd="2" destOrd="0" parTransId="{A5BB4219-61CE-491F-88CB-9A9A7DA09316}" sibTransId="{A2C0E6DE-5BED-4955-BC48-785BF6B85E0C}"/>
-    <dgm:cxn modelId="{06DF93A7-0FB2-4BE2-9180-2DC186762AE9}" type="presOf" srcId="{3AEA3DF4-1D30-4F9D-A269-DF87D1AA7CC2}" destId="{0016734A-8FEC-4D6B-B3F9-859D01AF0BC0}" srcOrd="0" destOrd="0" presId="urn:microsoft.com/office/officeart/2018/2/layout/IconVerticalSolidList"/>
-    <dgm:cxn modelId="{4ED654C4-9514-4E70-B9FE-1EA0ECF94DAF}" srcId="{3AEA3DF4-1D30-4F9D-A269-DF87D1AA7CC2}" destId="{3C78E041-076E-430E-A802-253C0BAA7962}" srcOrd="1" destOrd="0" parTransId="{F586051B-2659-4F7E-8F2B-E89E9FCDF053}" sibTransId="{49E1A334-DD5F-436A-981D-C5186341D15D}"/>
-    <dgm:cxn modelId="{D7EF01C9-EB59-47AE-AFD9-C447C2B74986}" type="presOf" srcId="{2A355F9F-1208-49B0-ABD0-F4136EFE6E3D}" destId="{27D58D8F-707A-486A-947F-AD0FFDF513FB}" srcOrd="0" destOrd="0" presId="urn:microsoft.com/office/officeart/2018/2/layout/IconVerticalSolidList"/>
-    <dgm:cxn modelId="{B36F35CD-1DBC-414E-BA12-0EC26E82B97C}" type="presOf" srcId="{846766B3-0777-4FDE-B282-94DEA93D993B}" destId="{CD2AAF71-6311-425D-905A-16B12FAC2E83}" srcOrd="0" destOrd="0" presId="urn:microsoft.com/office/officeart/2018/2/layout/IconVerticalSolidList"/>
-    <dgm:cxn modelId="{5C30F1FE-2464-47DF-A522-9C6C01A9DB9D}" type="presOf" srcId="{3C78E041-076E-430E-A802-253C0BAA7962}" destId="{5E87619D-E1A0-42B6-B898-0339581A03D6}" srcOrd="0" destOrd="0" presId="urn:microsoft.com/office/officeart/2018/2/layout/IconVerticalSolidList"/>
-    <dgm:cxn modelId="{F698FF04-0339-4C1D-AC1C-CA185E720091}" type="presParOf" srcId="{0016734A-8FEC-4D6B-B3F9-859D01AF0BC0}" destId="{D16B0B06-3D95-4F40-81E4-6244CDA57790}" srcOrd="0" destOrd="0" presId="urn:microsoft.com/office/officeart/2018/2/layout/IconVerticalSolidList"/>
-    <dgm:cxn modelId="{CF16F2DD-ADBB-4D7E-A5C9-DF6C14C952CD}" type="presParOf" srcId="{D16B0B06-3D95-4F40-81E4-6244CDA57790}" destId="{DA7EF6EF-FDC7-41E6-A4E2-A9FD907AF76B}" srcOrd="0" destOrd="0" presId="urn:microsoft.com/office/officeart/2018/2/layout/IconVerticalSolidList"/>
-    <dgm:cxn modelId="{E4EB2D7F-9154-452C-8465-161A6EBB3091}" type="presParOf" srcId="{D16B0B06-3D95-4F40-81E4-6244CDA57790}" destId="{645611B1-4E29-497C-9010-84F17A3B7C3A}" srcOrd="1" destOrd="0" presId="urn:microsoft.com/office/officeart/2018/2/layout/IconVerticalSolidList"/>
-    <dgm:cxn modelId="{DF6B9607-E470-4275-B227-EA8A1351F2D4}" type="presParOf" srcId="{D16B0B06-3D95-4F40-81E4-6244CDA57790}" destId="{00DCBB68-100A-4991-B2EB-5E85E3295A02}" srcOrd="2" destOrd="0" presId="urn:microsoft.com/office/officeart/2018/2/layout/IconVerticalSolidList"/>
-    <dgm:cxn modelId="{D0AE90DF-800F-4130-A3B7-827C8720697E}" type="presParOf" srcId="{D16B0B06-3D95-4F40-81E4-6244CDA57790}" destId="{27D58D8F-707A-486A-947F-AD0FFDF513FB}" srcOrd="3" destOrd="0" presId="urn:microsoft.com/office/officeart/2018/2/layout/IconVerticalSolidList"/>
-    <dgm:cxn modelId="{94410DA5-774A-46A8-9E4F-DFD495EAFCFF}" type="presParOf" srcId="{0016734A-8FEC-4D6B-B3F9-859D01AF0BC0}" destId="{1F600DE7-63B0-46ED-B5D1-79940DCEFCE4}" srcOrd="1" destOrd="0" presId="urn:microsoft.com/office/officeart/2018/2/layout/IconVerticalSolidList"/>
-    <dgm:cxn modelId="{E492890F-E37C-4FB0-A4E7-6918B803F26B}" type="presParOf" srcId="{0016734A-8FEC-4D6B-B3F9-859D01AF0BC0}" destId="{3B15F113-4F66-4336-9511-04CD92F720B5}" srcOrd="2" destOrd="0" presId="urn:microsoft.com/office/officeart/2018/2/layout/IconVerticalSolidList"/>
-    <dgm:cxn modelId="{0DFCEE08-92E9-4C59-9B3D-681A7764BCFD}" type="presParOf" srcId="{3B15F113-4F66-4336-9511-04CD92F720B5}" destId="{E55A4A21-72D6-4F9A-A709-8C294CA0A90F}" srcOrd="0" destOrd="0" presId="urn:microsoft.com/office/officeart/2018/2/layout/IconVerticalSolidList"/>
-    <dgm:cxn modelId="{01767753-2363-4C92-B0C0-F28D3831F508}" type="presParOf" srcId="{3B15F113-4F66-4336-9511-04CD92F720B5}" destId="{C309057B-9699-4C9A-8FE2-47A0BBF352F7}" srcOrd="1" destOrd="0" presId="urn:microsoft.com/office/officeart/2018/2/layout/IconVerticalSolidList"/>
-    <dgm:cxn modelId="{37C75980-D3AC-4B6C-A7D0-A6EA3FB63E3A}" type="presParOf" srcId="{3B15F113-4F66-4336-9511-04CD92F720B5}" destId="{4A54DDF6-C160-4F38-A623-93BBEEEBCA48}" srcOrd="2" destOrd="0" presId="urn:microsoft.com/office/officeart/2018/2/layout/IconVerticalSolidList"/>
-    <dgm:cxn modelId="{9ED856D6-789D-4D31-BAE0-480C6E40F0ED}" type="presParOf" srcId="{3B15F113-4F66-4336-9511-04CD92F720B5}" destId="{5E87619D-E1A0-42B6-B898-0339581A03D6}" srcOrd="3" destOrd="0" presId="urn:microsoft.com/office/officeart/2018/2/layout/IconVerticalSolidList"/>
-    <dgm:cxn modelId="{3011B087-07D2-4E52-B95E-79A3D5C95501}" type="presParOf" srcId="{0016734A-8FEC-4D6B-B3F9-859D01AF0BC0}" destId="{23837FB5-8EEA-4DBE-A9E8-382FCE6130B5}" srcOrd="3" destOrd="0" presId="urn:microsoft.com/office/officeart/2018/2/layout/IconVerticalSolidList"/>
-    <dgm:cxn modelId="{41404DCD-CABF-4B25-9B8E-7092CD1B2243}" type="presParOf" srcId="{0016734A-8FEC-4D6B-B3F9-859D01AF0BC0}" destId="{F1F7F7D9-FBEF-4E5F-B46B-237EDA74C659}" srcOrd="4" destOrd="0" presId="urn:microsoft.com/office/officeart/2018/2/layout/IconVerticalSolidList"/>
-    <dgm:cxn modelId="{91DB7959-467B-4649-8A2A-7043D2ED1133}" type="presParOf" srcId="{F1F7F7D9-FBEF-4E5F-B46B-237EDA74C659}" destId="{791C3413-4CB8-4096-AB2C-405E852B5DB3}" srcOrd="0" destOrd="0" presId="urn:microsoft.com/office/officeart/2018/2/layout/IconVerticalSolidList"/>
-    <dgm:cxn modelId="{661DFB1D-391A-45F1-8DC7-D74A053BA865}" type="presParOf" srcId="{F1F7F7D9-FBEF-4E5F-B46B-237EDA74C659}" destId="{C5436FD8-8D88-43EA-BA6E-C35EA68E582B}" srcOrd="1" destOrd="0" presId="urn:microsoft.com/office/officeart/2018/2/layout/IconVerticalSolidList"/>
-    <dgm:cxn modelId="{A9AAAABA-A438-43A4-92D0-487850736B52}" type="presParOf" srcId="{F1F7F7D9-FBEF-4E5F-B46B-237EDA74C659}" destId="{ECB51E6B-6A75-4B75-94D1-CEFD58EBB033}" srcOrd="2" destOrd="0" presId="urn:microsoft.com/office/officeart/2018/2/layout/IconVerticalSolidList"/>
-    <dgm:cxn modelId="{4E9E8F9C-2C4C-40D8-AAA4-51BCFB5B0D99}" type="presParOf" srcId="{F1F7F7D9-FBEF-4E5F-B46B-237EDA74C659}" destId="{CD2AAF71-6311-425D-905A-16B12FAC2E83}" srcOrd="3" destOrd="0" presId="urn:microsoft.com/office/officeart/2018/2/layout/IconVerticalSolidList"/>
+    <dgm:cxn modelId="{D60B5D00-D0A7-48E5-849A-F9414E4E177D}" srcId="{3EEBB949-461F-4234-9D18-6BC6EA395307}" destId="{9E711860-E94C-4609-BA1A-E9275034D9E9}" srcOrd="2" destOrd="0" parTransId="{21149183-2B9B-490E-BE16-37854E9ED42B}" sibTransId="{6C71B2BA-5A46-4262-8D73-77ADF16B2DE4}"/>
+    <dgm:cxn modelId="{4064F329-B93D-40AB-BC38-A940676D75EE}" srcId="{3EEBB949-461F-4234-9D18-6BC6EA395307}" destId="{739C5067-0382-44A8-B46E-6FC9DFA033B4}" srcOrd="1" destOrd="0" parTransId="{3B142DD0-7E98-48C0-8477-9E8E65961BBC}" sibTransId="{F0EA7749-8D0B-4070-B8B2-2C5090F3D096}"/>
+    <dgm:cxn modelId="{B800195C-D1F0-44E4-B733-4C1243314AEE}" type="presOf" srcId="{9E711860-E94C-4609-BA1A-E9275034D9E9}" destId="{B6B62DF2-EF21-4A2A-A76A-6732266BEA47}" srcOrd="0" destOrd="0" presId="urn:microsoft.com/office/officeart/2018/2/layout/IconLabelList"/>
+    <dgm:cxn modelId="{D4E82B57-407F-43EE-A2CB-33EF77845960}" type="presOf" srcId="{3EEBB949-461F-4234-9D18-6BC6EA395307}" destId="{0B0D7F31-468D-41F7-BFAE-1D3127CDCB6A}" srcOrd="0" destOrd="0" presId="urn:microsoft.com/office/officeart/2018/2/layout/IconLabelList"/>
+    <dgm:cxn modelId="{755E0580-2826-4999-9617-0207D966EBDF}" type="presOf" srcId="{358857FE-C7DA-42E7-8430-7FC4EEF77E2A}" destId="{36D46B2C-7668-429C-8CBD-86F57E8A1E55}" srcOrd="0" destOrd="0" presId="urn:microsoft.com/office/officeart/2018/2/layout/IconLabelList"/>
+    <dgm:cxn modelId="{EAC59FBF-4116-4322-9FF0-8B1AC382C24B}" type="presOf" srcId="{739C5067-0382-44A8-B46E-6FC9DFA033B4}" destId="{0826E06D-AAF5-4429-9FD0-428F0322B63A}" srcOrd="0" destOrd="0" presId="urn:microsoft.com/office/officeart/2018/2/layout/IconLabelList"/>
+    <dgm:cxn modelId="{EF5B38EA-6B4F-455C-9733-F76D638BBA7D}" srcId="{3EEBB949-461F-4234-9D18-6BC6EA395307}" destId="{358857FE-C7DA-42E7-8430-7FC4EEF77E2A}" srcOrd="0" destOrd="0" parTransId="{BBBF4C31-785A-4002-882A-2062AB426C87}" sibTransId="{8FD8F38E-4274-4449-B256-CA15C08685D2}"/>
+    <dgm:cxn modelId="{57518EE5-96EF-452E-93C9-571B130B4026}" type="presParOf" srcId="{0B0D7F31-468D-41F7-BFAE-1D3127CDCB6A}" destId="{23E16C18-B22E-4023-B56F-D6941A8FCC9B}" srcOrd="0" destOrd="0" presId="urn:microsoft.com/office/officeart/2018/2/layout/IconLabelList"/>
+    <dgm:cxn modelId="{15499659-9254-4295-936B-EA5225F396BD}" type="presParOf" srcId="{23E16C18-B22E-4023-B56F-D6941A8FCC9B}" destId="{868E2218-FA7E-4A7B-9BD5-DB23500398CC}" srcOrd="0" destOrd="0" presId="urn:microsoft.com/office/officeart/2018/2/layout/IconLabelList"/>
+    <dgm:cxn modelId="{14F7920C-FBD2-4A55-BE0A-AB22FA6C04DA}" type="presParOf" srcId="{23E16C18-B22E-4023-B56F-D6941A8FCC9B}" destId="{914DB0FD-517F-4398-B76E-40D4664B7510}" srcOrd="1" destOrd="0" presId="urn:microsoft.com/office/officeart/2018/2/layout/IconLabelList"/>
+    <dgm:cxn modelId="{27A31A12-DD78-45C0-9FF6-1446E4EB9389}" type="presParOf" srcId="{23E16C18-B22E-4023-B56F-D6941A8FCC9B}" destId="{36D46B2C-7668-429C-8CBD-86F57E8A1E55}" srcOrd="2" destOrd="0" presId="urn:microsoft.com/office/officeart/2018/2/layout/IconLabelList"/>
+    <dgm:cxn modelId="{3E301BC1-2BA2-4911-8E01-6E34A9CE39D1}" type="presParOf" srcId="{0B0D7F31-468D-41F7-BFAE-1D3127CDCB6A}" destId="{F6B1D273-482F-462E-B4ED-FFB75116E96F}" srcOrd="1" destOrd="0" presId="urn:microsoft.com/office/officeart/2018/2/layout/IconLabelList"/>
+    <dgm:cxn modelId="{492A42B6-AA12-462C-9555-B13824D34BB0}" type="presParOf" srcId="{0B0D7F31-468D-41F7-BFAE-1D3127CDCB6A}" destId="{A11758F3-BB00-480B-AF73-EDDB52374EC4}" srcOrd="2" destOrd="0" presId="urn:microsoft.com/office/officeart/2018/2/layout/IconLabelList"/>
+    <dgm:cxn modelId="{BD82CB9F-F643-4B0C-B633-489DE7D4A1A2}" type="presParOf" srcId="{A11758F3-BB00-480B-AF73-EDDB52374EC4}" destId="{DE53E569-358A-454D-B8F6-D0D29224BF5E}" srcOrd="0" destOrd="0" presId="urn:microsoft.com/office/officeart/2018/2/layout/IconLabelList"/>
+    <dgm:cxn modelId="{C09136D0-FDF3-4617-A49B-993FE765CC2C}" type="presParOf" srcId="{A11758F3-BB00-480B-AF73-EDDB52374EC4}" destId="{F0D97524-8449-4A95-A212-B9A4A44AB7A6}" srcOrd="1" destOrd="0" presId="urn:microsoft.com/office/officeart/2018/2/layout/IconLabelList"/>
+    <dgm:cxn modelId="{E54F4109-F0C2-42B0-A75D-58A72F8196A5}" type="presParOf" srcId="{A11758F3-BB00-480B-AF73-EDDB52374EC4}" destId="{0826E06D-AAF5-4429-9FD0-428F0322B63A}" srcOrd="2" destOrd="0" presId="urn:microsoft.com/office/officeart/2018/2/layout/IconLabelList"/>
+    <dgm:cxn modelId="{363B32DB-D971-4DDA-82DC-F9B125CA7D49}" type="presParOf" srcId="{0B0D7F31-468D-41F7-BFAE-1D3127CDCB6A}" destId="{1F5B2202-8A74-457C-B84F-FE2E6EDD85C0}" srcOrd="3" destOrd="0" presId="urn:microsoft.com/office/officeart/2018/2/layout/IconLabelList"/>
+    <dgm:cxn modelId="{68D881ED-9796-4052-A235-D8641EFE0FFF}" type="presParOf" srcId="{0B0D7F31-468D-41F7-BFAE-1D3127CDCB6A}" destId="{42FFEB85-D2A5-429F-BDA8-0DBA302F7491}" srcOrd="4" destOrd="0" presId="urn:microsoft.com/office/officeart/2018/2/layout/IconLabelList"/>
+    <dgm:cxn modelId="{50B9E57F-B73B-4C7C-8ED1-802F9A28DD36}" type="presParOf" srcId="{42FFEB85-D2A5-429F-BDA8-0DBA302F7491}" destId="{BA993B66-366A-4FCF-8506-309604E0508B}" srcOrd="0" destOrd="0" presId="urn:microsoft.com/office/officeart/2018/2/layout/IconLabelList"/>
+    <dgm:cxn modelId="{BF2836AA-7A3C-45BD-B3E3-BF9C8CD9B77F}" type="presParOf" srcId="{42FFEB85-D2A5-429F-BDA8-0DBA302F7491}" destId="{EF06545C-1F67-4532-AF93-6062535E6270}" srcOrd="1" destOrd="0" presId="urn:microsoft.com/office/officeart/2018/2/layout/IconLabelList"/>
+    <dgm:cxn modelId="{28F0B6E2-EDCD-4DF8-B605-4F5BB3FCC891}" type="presParOf" srcId="{42FFEB85-D2A5-429F-BDA8-0DBA302F7491}" destId="{B6B62DF2-EF21-4A2A-A76A-6732266BEA47}" srcOrd="2" destOrd="0" presId="urn:microsoft.com/office/officeart/2018/2/layout/IconLabelList"/>
   </dgm:cxnLst>
   <dgm:bg/>
   <dgm:whole/>
   <dgm:extLst>
     <a:ext uri="http://schemas.microsoft.com/office/drawing/2008/diagram">
-      <dsp:dataModelExt xmlns:dsp="http://schemas.microsoft.com/office/drawing/2008/diagram" relId="rId7" minVer="http://schemas.openxmlformats.org/drawingml/2006/diagram"/>
+      <dsp:dataModelExt xmlns:dsp="http://schemas.microsoft.com/office/drawing/2008/diagram" relId="rId6" minVer="http://schemas.openxmlformats.org/drawingml/2006/diagram"/>
     </a:ext>
   </dgm:extLst>
 </dgm:dataModel>
@@ -3004,71 +3006,43 @@
       <dsp:cNvGrpSpPr/>
     </dsp:nvGrpSpPr>
     <dsp:grpSpPr/>
-    <dsp:sp modelId="{DA7EF6EF-FDC7-41E6-A4E2-A9FD907AF76B}">
+    <dsp:sp modelId="{868E2218-FA7E-4A7B-9BD5-DB23500398CC}">
       <dsp:nvSpPr>
         <dsp:cNvPr id="0" name=""/>
         <dsp:cNvSpPr/>
       </dsp:nvSpPr>
       <dsp:spPr>
         <a:xfrm>
-          <a:off x="0" y="453"/>
-          <a:ext cx="10353675" cy="1061098"/>
-        </a:xfrm>
-        <a:prstGeom prst="roundRect">
-          <a:avLst>
-            <a:gd name="adj" fmla="val 10000"/>
-          </a:avLst>
-        </a:prstGeom>
-        <a:solidFill>
-          <a:schemeClr val="bg1">
-            <a:lumMod val="95000"/>
-            <a:hueOff val="0"/>
-            <a:satOff val="0"/>
-            <a:lumOff val="0"/>
-            <a:alphaOff val="0"/>
-          </a:schemeClr>
-        </a:solidFill>
-        <a:ln>
-          <a:noFill/>
-        </a:ln>
-        <a:effectLst/>
-      </dsp:spPr>
-      <dsp:style>
-        <a:lnRef idx="0">
-          <a:scrgbClr r="0" g="0" b="0"/>
-        </a:lnRef>
-        <a:fillRef idx="1">
-          <a:scrgbClr r="0" g="0" b="0"/>
-        </a:fillRef>
-        <a:effectRef idx="0">
-          <a:scrgbClr r="0" g="0" b="0"/>
-        </a:effectRef>
-        <a:fontRef idx="minor"/>
-      </dsp:style>
-    </dsp:sp>
-    <dsp:sp modelId="{645611B1-4E29-497C-9010-84F17A3B7C3A}">
-      <dsp:nvSpPr>
-        <dsp:cNvPr id="0" name=""/>
-        <dsp:cNvSpPr/>
-      </dsp:nvSpPr>
-      <dsp:spPr>
-        <a:xfrm>
-          <a:off x="320982" y="239200"/>
-          <a:ext cx="583603" cy="583603"/>
+          <a:off x="538789" y="1444692"/>
+          <a:ext cx="810000" cy="810000"/>
         </a:xfrm>
         <a:prstGeom prst="rect">
           <a:avLst/>
         </a:prstGeom>
-        <a:solidFill>
-          <a:schemeClr val="accent5">
-            <a:hueOff val="0"/>
-            <a:satOff val="0"/>
-            <a:lumOff val="0"/>
-            <a:alphaOff val="0"/>
-          </a:schemeClr>
-        </a:solidFill>
+        <a:blipFill>
+          <a:blip xmlns:r="http://schemas.openxmlformats.org/officeDocument/2006/relationships" r:embed="rId1">
+            <a:extLst>
+              <a:ext uri="{28A0092B-C50C-407E-A947-70E740481C1C}">
+                <a14:useLocalDpi xmlns:a14="http://schemas.microsoft.com/office/drawing/2010/main" val="0"/>
+              </a:ext>
+              <a:ext uri="{96DAC541-7B7A-43D3-8B79-37D633B846F1}">
+                <asvg:svgBlip xmlns:asvg="http://schemas.microsoft.com/office/drawing/2016/SVG/main" r:embed="rId2"/>
+              </a:ext>
+            </a:extLst>
+          </a:blip>
+          <a:stretch>
+            <a:fillRect/>
+          </a:stretch>
+        </a:blipFill>
         <a:ln w="15875" cap="rnd" cmpd="sng" algn="ctr">
-          <a:noFill/>
+          <a:solidFill>
+            <a:schemeClr val="lt1">
+              <a:hueOff val="0"/>
+              <a:satOff val="0"/>
+              <a:lumOff val="0"/>
+              <a:alphaOff val="0"/>
+            </a:schemeClr>
+          </a:solidFill>
           <a:prstDash val="solid"/>
         </a:ln>
         <a:effectLst/>
@@ -3088,15 +3062,15 @@
         </a:fontRef>
       </dsp:style>
     </dsp:sp>
-    <dsp:sp modelId="{27D58D8F-707A-486A-947F-AD0FFDF513FB}">
+    <dsp:sp modelId="{36D46B2C-7668-429C-8CBD-86F57E8A1E55}">
       <dsp:nvSpPr>
         <dsp:cNvPr id="0" name=""/>
         <dsp:cNvSpPr/>
       </dsp:nvSpPr>
       <dsp:spPr>
         <a:xfrm>
-          <a:off x="1225568" y="453"/>
-          <a:ext cx="9128106" cy="1061098"/>
+          <a:off x="43789" y="2536781"/>
+          <a:ext cx="1800000" cy="720000"/>
         </a:xfrm>
         <a:prstGeom prst="rect">
           <a:avLst/>
@@ -3120,12 +3094,12 @@
         <a:fontRef idx="minor"/>
       </dsp:style>
       <dsp:txBody>
-        <a:bodyPr spcFirstLastPara="0" vert="horz" wrap="square" lIns="112300" tIns="112300" rIns="112300" bIns="112300" numCol="1" spcCol="1270" anchor="ctr" anchorCtr="0">
+        <a:bodyPr spcFirstLastPara="0" vert="horz" wrap="square" lIns="0" tIns="0" rIns="0" bIns="0" numCol="1" spcCol="1270" anchor="t" anchorCtr="0">
           <a:noAutofit/>
         </a:bodyPr>
         <a:lstStyle/>
         <a:p>
-          <a:pPr marL="0" lvl="0" indent="0" algn="l" defTabSz="1111250">
+          <a:pPr marL="0" lvl="0" indent="0" algn="ctr" defTabSz="711200">
             <a:lnSpc>
               <a:spcPct val="100000"/>
             </a:lnSpc>
@@ -3138,81 +3112,38 @@
             <a:buNone/>
           </a:pPr>
           <a:r>
-            <a:rPr lang="en-GB" sz="2500" kern="1200">
-              <a:latin typeface="Bodoni MT" panose="02040603050505030304"/>
-            </a:rPr>
-            <a:t>Simple and easy to use app on android device.</a:t>
+            <a:rPr lang="en-GB" sz="1600" kern="1200"/>
+            <a:t>Simple and easy to use app on android device.</a:t>
           </a:r>
+          <a:endParaRPr lang="en-US" sz="1600" kern="1200"/>
         </a:p>
       </dsp:txBody>
       <dsp:txXfrm>
-        <a:off x="1225568" y="453"/>
-        <a:ext cx="9128106" cy="1061098"/>
+        <a:off x="43789" y="2536781"/>
+        <a:ext cx="1800000" cy="720000"/>
       </dsp:txXfrm>
     </dsp:sp>
-    <dsp:sp modelId="{E55A4A21-72D6-4F9A-A709-8C294CA0A90F}">
+    <dsp:sp modelId="{DE53E569-358A-454D-B8F6-D0D29224BF5E}">
       <dsp:nvSpPr>
         <dsp:cNvPr id="0" name=""/>
         <dsp:cNvSpPr/>
       </dsp:nvSpPr>
       <dsp:spPr>
         <a:xfrm>
-          <a:off x="0" y="1326825"/>
-          <a:ext cx="10353675" cy="1061098"/>
-        </a:xfrm>
-        <a:prstGeom prst="roundRect">
-          <a:avLst>
-            <a:gd name="adj" fmla="val 10000"/>
-          </a:avLst>
-        </a:prstGeom>
-        <a:solidFill>
-          <a:schemeClr val="bg1">
-            <a:lumMod val="95000"/>
-            <a:hueOff val="0"/>
-            <a:satOff val="0"/>
-            <a:lumOff val="0"/>
-            <a:alphaOff val="0"/>
-          </a:schemeClr>
-        </a:solidFill>
-        <a:ln>
-          <a:noFill/>
-        </a:ln>
-        <a:effectLst/>
-      </dsp:spPr>
-      <dsp:style>
-        <a:lnRef idx="0">
-          <a:scrgbClr r="0" g="0" b="0"/>
-        </a:lnRef>
-        <a:fillRef idx="1">
-          <a:scrgbClr r="0" g="0" b="0"/>
-        </a:fillRef>
-        <a:effectRef idx="0">
-          <a:scrgbClr r="0" g="0" b="0"/>
-        </a:effectRef>
-        <a:fontRef idx="minor"/>
-      </dsp:style>
-    </dsp:sp>
-    <dsp:sp modelId="{C309057B-9699-4C9A-8FE2-47A0BBF352F7}">
-      <dsp:nvSpPr>
-        <dsp:cNvPr id="0" name=""/>
-        <dsp:cNvSpPr/>
-      </dsp:nvSpPr>
-      <dsp:spPr>
-        <a:xfrm>
-          <a:off x="320982" y="1565573"/>
-          <a:ext cx="583603" cy="583603"/>
+          <a:off x="2653789" y="1444692"/>
+          <a:ext cx="810000" cy="810000"/>
         </a:xfrm>
         <a:prstGeom prst="rect">
           <a:avLst/>
         </a:prstGeom>
         <a:blipFill>
-          <a:blip xmlns:r="http://schemas.openxmlformats.org/officeDocument/2006/relationships" r:embed="rId1">
+          <a:blip xmlns:r="http://schemas.openxmlformats.org/officeDocument/2006/relationships" r:embed="rId3">
             <a:extLst>
               <a:ext uri="{28A0092B-C50C-407E-A947-70E740481C1C}">
                 <a14:useLocalDpi xmlns:a14="http://schemas.microsoft.com/office/drawing/2010/main" val="0"/>
               </a:ext>
               <a:ext uri="{96DAC541-7B7A-43D3-8B79-37D633B846F1}">
-                <asvg:svgBlip xmlns:asvg="http://schemas.microsoft.com/office/drawing/2016/SVG/main" r:embed="rId2"/>
+                <asvg:svgBlip xmlns:asvg="http://schemas.microsoft.com/office/drawing/2016/SVG/main" r:embed="rId4"/>
               </a:ext>
             </a:extLst>
           </a:blip>
@@ -3221,7 +3152,14 @@
           </a:stretch>
         </a:blipFill>
         <a:ln w="15875" cap="rnd" cmpd="sng" algn="ctr">
-          <a:noFill/>
+          <a:solidFill>
+            <a:schemeClr val="lt1">
+              <a:hueOff val="0"/>
+              <a:satOff val="0"/>
+              <a:lumOff val="0"/>
+              <a:alphaOff val="0"/>
+            </a:schemeClr>
+          </a:solidFill>
           <a:prstDash val="solid"/>
         </a:ln>
         <a:effectLst/>
@@ -3241,15 +3179,15 @@
         </a:fontRef>
       </dsp:style>
     </dsp:sp>
-    <dsp:sp modelId="{5E87619D-E1A0-42B6-B898-0339581A03D6}">
+    <dsp:sp modelId="{0826E06D-AAF5-4429-9FD0-428F0322B63A}">
       <dsp:nvSpPr>
         <dsp:cNvPr id="0" name=""/>
         <dsp:cNvSpPr/>
       </dsp:nvSpPr>
       <dsp:spPr>
         <a:xfrm>
-          <a:off x="1225568" y="1326825"/>
-          <a:ext cx="9128106" cy="1061098"/>
+          <a:off x="2158789" y="2536781"/>
+          <a:ext cx="1800000" cy="720000"/>
         </a:xfrm>
         <a:prstGeom prst="rect">
           <a:avLst/>
@@ -3273,12 +3211,12 @@
         <a:fontRef idx="minor"/>
       </dsp:style>
       <dsp:txBody>
-        <a:bodyPr spcFirstLastPara="0" vert="horz" wrap="square" lIns="112300" tIns="112300" rIns="112300" bIns="112300" numCol="1" spcCol="1270" anchor="ctr" anchorCtr="0">
+        <a:bodyPr spcFirstLastPara="0" vert="horz" wrap="square" lIns="0" tIns="0" rIns="0" bIns="0" numCol="1" spcCol="1270" anchor="t" anchorCtr="0">
           <a:noAutofit/>
         </a:bodyPr>
         <a:lstStyle/>
         <a:p>
-          <a:pPr marL="0" lvl="0" indent="0" algn="l" defTabSz="1111250">
+          <a:pPr marL="0" lvl="0" indent="0" algn="ctr" defTabSz="711200">
             <a:lnSpc>
               <a:spcPct val="100000"/>
             </a:lnSpc>
@@ -3291,86 +3229,38 @@
             <a:buNone/>
           </a:pPr>
           <a:r>
-            <a:rPr lang="en-GB" sz="2500" kern="1200">
-              <a:latin typeface="Bodoni MT" panose="02040603050505030304"/>
-            </a:rPr>
-            <a:t>Saves</a:t>
+            <a:rPr lang="en-GB" sz="1600" kern="1200"/>
+            <a:t>Saves time, Money and Resources</a:t>
           </a:r>
-          <a:r>
-            <a:rPr lang="en-GB" sz="2500" kern="1200"/>
-            <a:t> time, Money and Resources</a:t>
-          </a:r>
-          <a:endParaRPr lang="en-US" sz="2500" kern="1200"/>
+          <a:endParaRPr lang="en-US" sz="1600" kern="1200"/>
         </a:p>
       </dsp:txBody>
       <dsp:txXfrm>
-        <a:off x="1225568" y="1326825"/>
-        <a:ext cx="9128106" cy="1061098"/>
+        <a:off x="2158789" y="2536781"/>
+        <a:ext cx="1800000" cy="720000"/>
       </dsp:txXfrm>
     </dsp:sp>
-    <dsp:sp modelId="{791C3413-4CB8-4096-AB2C-405E852B5DB3}">
+    <dsp:sp modelId="{BA993B66-366A-4FCF-8506-309604E0508B}">
       <dsp:nvSpPr>
         <dsp:cNvPr id="0" name=""/>
         <dsp:cNvSpPr/>
       </dsp:nvSpPr>
       <dsp:spPr>
         <a:xfrm>
-          <a:off x="0" y="2653198"/>
-          <a:ext cx="10353675" cy="1061098"/>
-        </a:xfrm>
-        <a:prstGeom prst="roundRect">
-          <a:avLst>
-            <a:gd name="adj" fmla="val 10000"/>
-          </a:avLst>
-        </a:prstGeom>
-        <a:solidFill>
-          <a:schemeClr val="bg1">
-            <a:lumMod val="95000"/>
-            <a:hueOff val="0"/>
-            <a:satOff val="0"/>
-            <a:lumOff val="0"/>
-            <a:alphaOff val="0"/>
-          </a:schemeClr>
-        </a:solidFill>
-        <a:ln>
-          <a:noFill/>
-        </a:ln>
-        <a:effectLst/>
-      </dsp:spPr>
-      <dsp:style>
-        <a:lnRef idx="0">
-          <a:scrgbClr r="0" g="0" b="0"/>
-        </a:lnRef>
-        <a:fillRef idx="1">
-          <a:scrgbClr r="0" g="0" b="0"/>
-        </a:fillRef>
-        <a:effectRef idx="0">
-          <a:scrgbClr r="0" g="0" b="0"/>
-        </a:effectRef>
-        <a:fontRef idx="minor"/>
-      </dsp:style>
-    </dsp:sp>
-    <dsp:sp modelId="{C5436FD8-8D88-43EA-BA6E-C35EA68E582B}">
-      <dsp:nvSpPr>
-        <dsp:cNvPr id="0" name=""/>
-        <dsp:cNvSpPr/>
-      </dsp:nvSpPr>
-      <dsp:spPr>
-        <a:xfrm>
-          <a:off x="320982" y="2891945"/>
-          <a:ext cx="583603" cy="583603"/>
+          <a:off x="4768788" y="1444692"/>
+          <a:ext cx="810000" cy="810000"/>
         </a:xfrm>
         <a:prstGeom prst="rect">
           <a:avLst/>
         </a:prstGeom>
         <a:blipFill>
-          <a:blip xmlns:r="http://schemas.openxmlformats.org/officeDocument/2006/relationships" r:embed="rId3">
+          <a:blip xmlns:r="http://schemas.openxmlformats.org/officeDocument/2006/relationships" r:embed="rId5">
             <a:extLst>
               <a:ext uri="{28A0092B-C50C-407E-A947-70E740481C1C}">
                 <a14:useLocalDpi xmlns:a14="http://schemas.microsoft.com/office/drawing/2010/main" val="0"/>
               </a:ext>
               <a:ext uri="{96DAC541-7B7A-43D3-8B79-37D633B846F1}">
-                <asvg:svgBlip xmlns:asvg="http://schemas.microsoft.com/office/drawing/2016/SVG/main" r:embed="rId4"/>
+                <asvg:svgBlip xmlns:asvg="http://schemas.microsoft.com/office/drawing/2016/SVG/main" r:embed="rId6"/>
               </a:ext>
             </a:extLst>
           </a:blip>
@@ -3379,7 +3269,14 @@
           </a:stretch>
         </a:blipFill>
         <a:ln w="15875" cap="rnd" cmpd="sng" algn="ctr">
-          <a:noFill/>
+          <a:solidFill>
+            <a:schemeClr val="lt1">
+              <a:hueOff val="0"/>
+              <a:satOff val="0"/>
+              <a:lumOff val="0"/>
+              <a:alphaOff val="0"/>
+            </a:schemeClr>
+          </a:solidFill>
           <a:prstDash val="solid"/>
         </a:ln>
         <a:effectLst/>
@@ -3399,15 +3296,15 @@
         </a:fontRef>
       </dsp:style>
     </dsp:sp>
-    <dsp:sp modelId="{CD2AAF71-6311-425D-905A-16B12FAC2E83}">
+    <dsp:sp modelId="{B6B62DF2-EF21-4A2A-A76A-6732266BEA47}">
       <dsp:nvSpPr>
         <dsp:cNvPr id="0" name=""/>
         <dsp:cNvSpPr/>
       </dsp:nvSpPr>
       <dsp:spPr>
         <a:xfrm>
-          <a:off x="1225568" y="2653198"/>
-          <a:ext cx="9128106" cy="1061098"/>
+          <a:off x="4273789" y="2536781"/>
+          <a:ext cx="1800000" cy="720000"/>
         </a:xfrm>
         <a:prstGeom prst="rect">
           <a:avLst/>
@@ -3431,12 +3328,12 @@
         <a:fontRef idx="minor"/>
       </dsp:style>
       <dsp:txBody>
-        <a:bodyPr spcFirstLastPara="0" vert="horz" wrap="square" lIns="112300" tIns="112300" rIns="112300" bIns="112300" numCol="1" spcCol="1270" anchor="ctr" anchorCtr="0">
+        <a:bodyPr spcFirstLastPara="0" vert="horz" wrap="square" lIns="0" tIns="0" rIns="0" bIns="0" numCol="1" spcCol="1270" anchor="t" anchorCtr="0">
           <a:noAutofit/>
         </a:bodyPr>
         <a:lstStyle/>
         <a:p>
-          <a:pPr marL="0" lvl="0" indent="0" algn="l" defTabSz="1111250">
+          <a:pPr marL="0" lvl="0" indent="0" algn="ctr" defTabSz="711200">
             <a:lnSpc>
               <a:spcPct val="100000"/>
             </a:lnSpc>
@@ -3449,15 +3346,15 @@
             <a:buNone/>
           </a:pPr>
           <a:r>
-            <a:rPr lang="en-GB" sz="2500" kern="1200"/>
-            <a:t>Improves Data Efficiency</a:t>
+            <a:rPr lang="en-GB" sz="1600" kern="1200"/>
+            <a:t>Improves Data Efficiency</a:t>
           </a:r>
-          <a:endParaRPr lang="en-US" sz="2500" kern="1200"/>
+          <a:endParaRPr lang="en-US" sz="1600" kern="1200"/>
         </a:p>
       </dsp:txBody>
       <dsp:txXfrm>
-        <a:off x="1225568" y="2653198"/>
-        <a:ext cx="9128106" cy="1061098"/>
+        <a:off x="4273789" y="2536781"/>
+        <a:ext cx="1800000" cy="720000"/>
       </dsp:txXfrm>
     </dsp:sp>
   </dsp:spTree>
@@ -3868,9 +3765,9 @@
 </file>
 
 <file path=ppt/diagrams/layout2.xml><?xml version="1.0" encoding="utf-8"?>
-<dgm:layoutDef xmlns:dgm="http://schemas.openxmlformats.org/drawingml/2006/diagram" xmlns:a="http://schemas.openxmlformats.org/drawingml/2006/main" uniqueId="urn:microsoft.com/office/officeart/2018/2/layout/IconVerticalSolidList">
-  <dgm:title val="Icon Vertical Solid List"/>
-  <dgm:desc val="Use to show a series of visuals from top to bottom with Level 1 or Level 1 and Level 2 text grouped in a shape. Works best with icons or small pictures with lengthier descriptions."/>
+<dgm:layoutDef xmlns:dgm="http://schemas.openxmlformats.org/drawingml/2006/diagram" xmlns:a="http://schemas.openxmlformats.org/drawingml/2006/main" uniqueId="urn:microsoft.com/office/officeart/2018/2/layout/IconLabelList">
+  <dgm:title val="Icon Label List"/>
+  <dgm:desc val="Use to show non-sequential or grouped chunks of information accompanied by a related visuals. Works best with icons or small pictures with short text captions."/>
   <dgm:catLst>
     <dgm:cat type="icon" pri="500"/>
   </dgm:catLst>
@@ -3902,15 +3799,23 @@
     </dgm:varLst>
     <dgm:choose name="Name0">
       <dgm:if name="Name1" axis="self" func="var" arg="dir" op="equ" val="norm">
-        <dgm:alg type="lin">
-          <dgm:param type="linDir" val="fromT"/>
-          <dgm:param type="nodeHorzAlign" val="l"/>
+        <dgm:alg type="snake">
+          <dgm:param type="grDir" val="tL"/>
+          <dgm:param type="flowDir" val="row"/>
+          <dgm:param type="contDir" val="sameDir"/>
+          <dgm:param type="off" val="ctr"/>
+          <dgm:param type="vertAlign" val="mid"/>
+          <dgm:param type="horzAlign" val="ctr"/>
         </dgm:alg>
       </dgm:if>
       <dgm:else name="Name2">
-        <dgm:alg type="lin">
-          <dgm:param type="linDir" val="fromT"/>
-          <dgm:param type="nodeHorzAlign" val="r"/>
+        <dgm:alg type="snake">
+          <dgm:param type="grDir" val="tR"/>
+          <dgm:param type="flowDir" val="row"/>
+          <dgm:param type="contDir" val="sameDir"/>
+          <dgm:param type="off" val="ctr"/>
+          <dgm:param type="vertAlign" val="mid"/>
+          <dgm:param type="horzAlign" val="ctr"/>
         </dgm:alg>
       </dgm:else>
     </dgm:choose>
@@ -3919,139 +3824,67 @@
     </dgm:shape>
     <dgm:presOf/>
     <dgm:choose name="Name3">
-      <dgm:if name="Name4" axis="ch" ptType="node" func="cnt" op="lte" val="3">
+      <dgm:if name="Name4" axis="ch" ptType="node" func="cnt" op="lte" val="2">
         <dgm:constrLst>
-          <dgm:constr type="h" for="ch" forName="compNode" refType="h" fact="0.3"/>
-          <dgm:constr type="w" for="ch" forName="compNode" refType="w"/>
-          <dgm:constr type="h" for="ch" forName="sibTrans" refType="h" refFor="ch" refForName="compNode" fact="0.25"/>
-          <dgm:constr type="primFontSz" for="des" forName="parTx" val="25"/>
-          <dgm:constr type="primFontSz" for="des" forName="desTx" refType="primFontSz" refFor="des" refForName="parTx" op="lte" fact="0.75"/>
+          <dgm:constr type="h" for="ch" forName="compNode" refType="h" fact="0.4"/>
+          <dgm:constr type="w" for="ch" forName="compNode" val="120"/>
+          <dgm:constr type="w" for="ch" forName="sibTrans" refType="w" refFor="ch" refForName="compNode" fact="0.175"/>
+          <dgm:constr type="sp" refType="w" refFor="ch" refForName="compNode" op="equ" fact="0.25"/>
+          <dgm:constr type="primFontSz" for="des" ptType="node" op="equ" val="50"/>
           <dgm:constr type="h" for="des" forName="compNode" op="equ"/>
-          <dgm:constr type="h" for="des" forName="bgRect" op="equ"/>
-          <dgm:constr type="h" for="des" forName="iconRect" op="equ"/>
-          <dgm:constr type="w" for="des" forName="iconRect" op="equ"/>
-          <dgm:constr type="h" for="des" forName="spaceRect" op="equ"/>
-          <dgm:constr type="h" for="des" forName="parTx" op="equ"/>
-          <dgm:constr type="h" for="des" forName="desTx" op="equ"/>
+          <dgm:constr type="h" for="des" forName="textRect" op="equ"/>
         </dgm:constrLst>
       </dgm:if>
       <dgm:if name="Name5" axis="ch" ptType="node" func="cnt" op="lte" val="4">
         <dgm:constrLst>
-          <dgm:constr type="h" for="ch" forName="compNode" refType="h" fact="0.3"/>
+          <dgm:constr type="h" for="ch" forName="compNode" refType="h" fact="0.4"/>
           <dgm:constr type="w" for="ch" forName="compNode" refType="w"/>
-          <dgm:constr type="h" for="ch" forName="sibTrans" refType="h" refFor="ch" refForName="compNode" fact="0.25"/>
-          <dgm:constr type="primFontSz" for="des" forName="parTx" val="22"/>
-          <dgm:constr type="primFontSz" for="des" forName="desTx" refType="primFontSz" refFor="des" refForName="parTx" op="lte" fact="0.75"/>
+          <dgm:constr type="w" for="ch" forName="sibTrans" refType="w" refFor="ch" refForName="compNode" fact="0.175"/>
+          <dgm:constr type="sp" refType="w" refFor="ch" refForName="compNode" op="equ" fact="0.25"/>
+          <dgm:constr type="primFontSz" for="des" ptType="node" op="equ" val="36"/>
           <dgm:constr type="h" for="des" forName="compNode" op="equ"/>
-          <dgm:constr type="h" for="des" forName="bgRect" op="equ"/>
-          <dgm:constr type="h" for="des" forName="iconRect" op="equ"/>
-          <dgm:constr type="w" for="des" forName="iconRect" op="equ"/>
-          <dgm:constr type="h" for="des" forName="spaceRect" op="equ"/>
-          <dgm:constr type="h" for="des" forName="parTx" op="equ"/>
-          <dgm:constr type="h" for="des" forName="desTx" op="equ"/>
+          <dgm:constr type="h" for="des" forName="textRect" op="equ"/>
         </dgm:constrLst>
       </dgm:if>
-      <dgm:if name="Name6" axis="ch" ptType="node" func="cnt" op="lte" val="6">
+      <dgm:else name="Name6">
         <dgm:constrLst>
-          <dgm:constr type="h" for="ch" forName="compNode" refType="h" fact="0.3"/>
+          <dgm:constr type="h" for="ch" forName="compNode" refType="h" fact="0.4"/>
           <dgm:constr type="w" for="ch" forName="compNode" refType="w"/>
-          <dgm:constr type="h" for="ch" forName="sibTrans" refType="h" refFor="ch" refForName="compNode" fact="0.25"/>
-          <dgm:constr type="primFontSz" for="des" forName="parTx" val="19"/>
-          <dgm:constr type="primFontSz" for="des" forName="desTx" refType="primFontSz" refFor="des" refForName="parTx" op="lte" fact="0.75"/>
+          <dgm:constr type="w" for="ch" forName="sibTrans" refType="w" refFor="ch" refForName="compNode" fact="0.175"/>
+          <dgm:constr type="sp" refType="w" refFor="ch" refForName="compNode" op="equ" fact="0.25"/>
+          <dgm:constr type="primFontSz" for="des" ptType="node" op="equ" val="24"/>
           <dgm:constr type="h" for="des" forName="compNode" op="equ"/>
-          <dgm:constr type="h" for="des" forName="bgRect" op="equ"/>
-          <dgm:constr type="h" for="des" forName="iconRect" op="equ"/>
-          <dgm:constr type="w" for="des" forName="iconRect" op="equ"/>
-          <dgm:constr type="h" for="des" forName="spaceRect" op="equ"/>
-          <dgm:constr type="h" for="des" forName="parTx" op="equ"/>
-          <dgm:constr type="h" for="des" forName="desTx" op="equ"/>
-        </dgm:constrLst>
-      </dgm:if>
-      <dgm:else name="Name7">
-        <dgm:constrLst>
-          <dgm:constr type="h" for="ch" forName="compNode" refType="h" fact="0.3"/>
-          <dgm:constr type="w" for="ch" forName="compNode" refType="w"/>
-          <dgm:constr type="h" for="ch" forName="sibTrans" refType="h" refFor="ch" refForName="compNode" fact="0.25"/>
-          <dgm:constr type="primFontSz" for="des" forName="parTx" val="16"/>
-          <dgm:constr type="primFontSz" for="des" forName="desTx" refType="primFontSz" refFor="des" refForName="parTx" op="lte" fact="0.75"/>
-          <dgm:constr type="h" for="des" forName="compNode" op="equ"/>
-          <dgm:constr type="h" for="des" forName="bgRect" op="equ"/>
-          <dgm:constr type="h" for="des" forName="iconRect" op="equ"/>
-          <dgm:constr type="w" for="des" forName="iconRect" op="equ"/>
-          <dgm:constr type="h" for="des" forName="spaceRect" op="equ"/>
-          <dgm:constr type="h" for="des" forName="parTx" op="equ"/>
-          <dgm:constr type="h" for="des" forName="desTx" op="equ"/>
+          <dgm:constr type="h" for="des" forName="textRect" op="equ"/>
         </dgm:constrLst>
       </dgm:else>
     </dgm:choose>
     <dgm:ruleLst>
-      <dgm:rule type="h" for="ch" forName="compNode" val="0" fact="NaN" max="NaN"/>
+      <dgm:rule type="w" for="ch" forName="compNode" val="50" fact="NaN" max="NaN"/>
     </dgm:ruleLst>
-    <dgm:forEach name="Name8" axis="ch" ptType="node">
+    <dgm:forEach name="Name7" axis="ch" ptType="node">
       <dgm:layoutNode name="compNode">
         <dgm:alg type="composite"/>
         <dgm:shape xmlns:r="http://schemas.openxmlformats.org/officeDocument/2006/relationships" r:blip="">
           <dgm:adjLst/>
         </dgm:shape>
         <dgm:presOf axis="self"/>
-        <dgm:choose name="Name9">
-          <dgm:if name="Name10" axis="ch" ptType="node" func="cnt" op="gte" val="1">
-            <dgm:constrLst>
-              <dgm:constr type="w" for="ch" forName="bgRect" refType="w"/>
-              <dgm:constr type="h" for="ch" forName="bgRect" refType="h"/>
-              <dgm:constr type="l" for="ch" forName="bgRect"/>
-              <dgm:constr type="t" for="ch" forName="bgRect"/>
-              <dgm:constr type="h" for="ch" forName="iconRect" refType="h" fact="0.55"/>
-              <dgm:constr type="w" for="ch" forName="iconRect" refType="h" refFor="ch" refForName="iconRect"/>
-              <dgm:constr type="l" for="ch" forName="iconRect" refType="h" refFor="ch" refForName="iconRect" fact="0.55"/>
-              <dgm:constr type="ctrY" for="ch" forName="iconRect" refType="ctrY" refFor="ch" refForName="bgRect"/>
-              <dgm:constr type="w" for="ch" forName="spaceRect" refType="l" refFor="ch" refForName="iconRect"/>
-              <dgm:constr type="h" for="ch" forName="spaceRect" refType="h"/>
-              <dgm:constr type="l" for="ch" forName="spaceRect" refType="r" refFor="ch" refForName="iconRect"/>
-              <dgm:constr type="t" for="ch" forName="spaceRect"/>
-              <dgm:constr type="w" for="ch" forName="parTx" refType="w" fact="0.45"/>
-              <dgm:constr type="h" for="ch" forName="parTx" refType="h"/>
-              <dgm:constr type="l" for="ch" forName="parTx" refType="r" refFor="ch" refForName="spaceRect"/>
-              <dgm:constr type="t" for="ch" forName="parTx"/>
-              <dgm:constr type="h" for="ch" forName="desTx" refType="h"/>
-              <dgm:constr type="l" for="ch" forName="desTx" refType="r" refFor="ch" refForName="parTx"/>
-              <dgm:constr type="t" for="ch" forName="desTx"/>
-            </dgm:constrLst>
-          </dgm:if>
-          <dgm:else name="Name11">
-            <dgm:constrLst>
-              <dgm:constr type="w" for="ch" forName="bgRect" refType="w"/>
-              <dgm:constr type="h" for="ch" forName="bgRect" refType="h"/>
-              <dgm:constr type="l" for="ch" forName="bgRect"/>
-              <dgm:constr type="t" for="ch" forName="bgRect"/>
-              <dgm:constr type="h" for="ch" forName="iconRect" refType="h" fact="0.55"/>
-              <dgm:constr type="w" for="ch" forName="iconRect" refType="h" refFor="ch" refForName="iconRect"/>
-              <dgm:constr type="l" for="ch" forName="iconRect" refType="h" refFor="ch" refForName="iconRect" fact="0.55"/>
-              <dgm:constr type="ctrY" for="ch" forName="iconRect" refType="ctrY" refFor="ch" refForName="bgRect"/>
-              <dgm:constr type="w" for="ch" forName="spaceRect" refType="l" refFor="ch" refForName="iconRect"/>
-              <dgm:constr type="h" for="ch" forName="spaceRect" refType="h"/>
-              <dgm:constr type="l" for="ch" forName="spaceRect" refType="r" refFor="ch" refForName="iconRect"/>
-              <dgm:constr type="t" for="ch" forName="spaceRect"/>
-              <dgm:constr type="h" for="ch" forName="parTx" refType="h"/>
-              <dgm:constr type="l" for="ch" forName="parTx" refType="r" refFor="ch" refForName="spaceRect"/>
-              <dgm:constr type="t" for="ch" forName="parTx"/>
-            </dgm:constrLst>
-          </dgm:else>
-        </dgm:choose>
+        <dgm:constrLst>
+          <dgm:constr type="w" for="ch" forName="iconRect" refType="w" fact="0.45"/>
+          <dgm:constr type="h" for="ch" forName="iconRect" refType="w" refFor="ch" refForName="iconRect"/>
+          <dgm:constr type="ctrX" for="ch" forName="iconRect" refType="w" fact="0.5"/>
+          <dgm:constr type="t" for="ch" forName="iconRect"/>
+          <dgm:constr type="h" for="ch" forName="spaceRect" refType="h" fact="0.15"/>
+          <dgm:constr type="w" for="ch" forName="spaceRect" refType="w"/>
+          <dgm:constr type="l" for="ch" forName="spaceRect"/>
+          <dgm:constr type="t" for="ch" forName="spaceRect" refType="b" refFor="ch" refForName="iconRect"/>
+          <dgm:constr type="h" for="ch" forName="textRect" val="20"/>
+          <dgm:constr type="w" for="ch" forName="textRect" refType="w"/>
+          <dgm:constr type="l" for="ch" forName="textRect"/>
+          <dgm:constr type="t" for="ch" forName="textRect" refType="b" refFor="ch" refForName="spaceRect"/>
+        </dgm:constrLst>
         <dgm:ruleLst>
           <dgm:rule type="h" val="INF" fact="NaN" max="NaN"/>
         </dgm:ruleLst>
-        <dgm:layoutNode name="bgRect" styleLbl="bgShp">
-          <dgm:alg type="sp"/>
-          <dgm:shape xmlns:r="http://schemas.openxmlformats.org/officeDocument/2006/relationships" type="roundRect" r:blip="">
-            <dgm:adjLst>
-              <dgm:adj idx="1" val="0.1"/>
-            </dgm:adjLst>
-          </dgm:shape>
-          <dgm:presOf/>
-          <dgm:constrLst/>
-          <dgm:ruleLst/>
-        </dgm:layoutNode>
         <dgm:layoutNode name="iconRect" styleLbl="node1">
           <dgm:alg type="sp"/>
           <dgm:shape xmlns:r="http://schemas.openxmlformats.org/officeDocument/2006/relationships" type="rect" r:blip="" blipPhldr="1">
@@ -4070,66 +3903,31 @@
           <dgm:constrLst/>
           <dgm:ruleLst/>
         </dgm:layoutNode>
-        <dgm:layoutNode name="parTx" styleLbl="revTx">
+        <dgm:layoutNode name="textRect" styleLbl="revTx">
           <dgm:varLst>
-            <dgm:chMax val="0"/>
-            <dgm:chPref val="0"/>
+            <dgm:chMax val="1"/>
+            <dgm:chPref val="1"/>
           </dgm:varLst>
           <dgm:alg type="tx">
-            <dgm:param type="txAnchorVert" val="mid"/>
-            <dgm:param type="parTxLTRAlign" val="l"/>
-            <dgm:param type="shpTxLTRAlignCh" val="l"/>
-            <dgm:param type="parTxRTLAlign" val="r"/>
-            <dgm:param type="shpTxRTLAlignCh" val="r"/>
+            <dgm:param type="txAnchorVert" val="t"/>
           </dgm:alg>
           <dgm:shape xmlns:r="http://schemas.openxmlformats.org/officeDocument/2006/relationships" type="rect" r:blip="">
             <dgm:adjLst/>
           </dgm:shape>
           <dgm:presOf axis="self" ptType="node"/>
           <dgm:constrLst>
-            <dgm:constr type="lMarg" refType="h" fact="0.3"/>
-            <dgm:constr type="rMarg" refType="h" fact="0.3"/>
-            <dgm:constr type="tMarg" refType="h" fact="0.3"/>
-            <dgm:constr type="bMarg" refType="h" fact="0.3"/>
+            <dgm:constr type="lMarg"/>
+            <dgm:constr type="rMarg"/>
+            <dgm:constr type="tMarg"/>
+            <dgm:constr type="bMarg"/>
           </dgm:constrLst>
           <dgm:ruleLst>
-            <dgm:rule type="primFontSz" val="14" fact="NaN" max="NaN"/>
+            <dgm:rule type="primFontSz" val="11" fact="NaN" max="NaN"/>
             <dgm:rule type="h" val="INF" fact="NaN" max="NaN"/>
           </dgm:ruleLst>
         </dgm:layoutNode>
-        <dgm:choose name="Name12">
-          <dgm:if name="Name13" axis="ch" ptType="node" func="cnt" op="gte" val="1">
-            <dgm:layoutNode name="desTx" styleLbl="revTx">
-              <dgm:varLst/>
-              <dgm:alg type="tx">
-                <dgm:param type="txAnchorVertCh" val="mid"/>
-                <dgm:param type="parTxLTRAlign" val="l"/>
-                <dgm:param type="shpTxLTRAlignCh" val="l"/>
-                <dgm:param type="parTxRTLAlign" val="r"/>
-                <dgm:param type="shpTxRTLAlignCh" val="r"/>
-                <dgm:param type="stBulletLvl" val="0"/>
-              </dgm:alg>
-              <dgm:shape xmlns:r="http://schemas.openxmlformats.org/officeDocument/2006/relationships" type="rect" r:blip="">
-                <dgm:adjLst/>
-              </dgm:shape>
-              <dgm:presOf axis="des" ptType="node"/>
-              <dgm:constrLst>
-                <dgm:constr type="primFontSz" val="18"/>
-                <dgm:constr type="secFontSz" refType="primFontSz"/>
-                <dgm:constr type="lMarg" refType="h" fact="0.3"/>
-                <dgm:constr type="rMarg" refType="h" fact="0.3"/>
-                <dgm:constr type="tMarg" refType="h" fact="0.3"/>
-                <dgm:constr type="bMarg" refType="h" fact="0.3"/>
-              </dgm:constrLst>
-              <dgm:ruleLst>
-                <dgm:rule type="primFontSz" val="11" fact="NaN" max="NaN"/>
-              </dgm:ruleLst>
-            </dgm:layoutNode>
-          </dgm:if>
-          <dgm:else name="Name14"/>
-        </dgm:choose>
       </dgm:layoutNode>
-      <dgm:forEach name="Name15" axis="followSib" ptType="sibTrans" cnt="1">
+      <dgm:forEach name="Name8" axis="followSib" ptType="sibTrans" cnt="1">
         <dgm:layoutNode name="sibTrans">
           <dgm:alg type="sp"/>
           <dgm:shape xmlns:r="http://schemas.openxmlformats.org/officeDocument/2006/relationships" r:blip="">
@@ -4150,11 +3948,6 @@
             <a:spcPct val="100000"/>
           </a:lnSpc>
         </a:lvl1pPr>
-        <a:lvl2pPr>
-          <a:lnSpc>
-            <a:spcPct val="100000"/>
-          </a:lnSpc>
-        </a:lvl2pPr>
       </dgm1612:lstStyle>
     </a:ext>
   </dgm:extLst>
@@ -12489,7 +12282,7 @@
           </a:effectLst>
           <a:extLst>
             <a:ext uri="{91240B29-F687-4f45-9708-019B960494DF}">
-              <a14:hiddenLine xmlns="" xmlns:a14="http://schemas.microsoft.com/office/drawing/2010/main" xmlns:p14="http://schemas.microsoft.com/office/powerpoint/2010/main" xmlns:a16="http://schemas.microsoft.com/office/drawing/2014/main" w="9525">
+              <a14:hiddenLine xmlns:a16="http://schemas.microsoft.com/office/drawing/2014/main" xmlns:p14="http://schemas.microsoft.com/office/powerpoint/2010/main" xmlns:a14="http://schemas.microsoft.com/office/drawing/2010/main" xmlns="" w="9525">
                 <a:solidFill>
                   <a:srgbClr val="000000"/>
                 </a:solidFill>
@@ -15415,7 +15208,7 @@
           </a:effectLst>
           <a:extLst>
             <a:ext uri="{91240B29-F687-4f45-9708-019B960494DF}">
-              <a14:hiddenLine xmlns="" xmlns:a16="http://schemas.microsoft.com/office/drawing/2014/main" xmlns:p14="http://schemas.microsoft.com/office/powerpoint/2010/main" xmlns:a14="http://schemas.microsoft.com/office/drawing/2010/main" w="9525">
+              <a14:hiddenLine xmlns:a14="http://schemas.microsoft.com/office/drawing/2010/main" xmlns:p14="http://schemas.microsoft.com/office/powerpoint/2010/main" xmlns:a16="http://schemas.microsoft.com/office/drawing/2014/main" xmlns="" w="9525">
                 <a:solidFill>
                   <a:srgbClr val="000000"/>
                 </a:solidFill>
@@ -15542,125 +15335,6 @@
 </file>
 
 <file path=ppt/slides/slide8.xml><?xml version="1.0" encoding="utf-8"?>
-<p:sld xmlns:a="http://schemas.openxmlformats.org/drawingml/2006/main" xmlns:r="http://schemas.openxmlformats.org/officeDocument/2006/relationships" xmlns:p="http://schemas.openxmlformats.org/presentationml/2006/main">
-  <p:cSld>
-    <p:bg>
-      <p:bgPr>
-        <a:blipFill rotWithShape="1">
-          <a:blip r:embed="rId2">
-            <a:duotone>
-              <a:schemeClr val="bg1">
-                <a:shade val="80000"/>
-                <a:lumMod val="80000"/>
-              </a:schemeClr>
-              <a:schemeClr val="bg1">
-                <a:tint val="98000"/>
-              </a:schemeClr>
-            </a:duotone>
-          </a:blip>
-          <a:stretch/>
-        </a:blipFill>
-        <a:effectLst/>
-      </p:bgPr>
-    </p:bg>
-    <p:spTree>
-      <p:nvGrpSpPr>
-        <p:cNvPr id="1" name=""/>
-        <p:cNvGrpSpPr/>
-        <p:nvPr/>
-      </p:nvGrpSpPr>
-      <p:grpSpPr>
-        <a:xfrm>
-          <a:off x="0" y="0"/>
-          <a:ext cx="0" cy="0"/>
-          <a:chOff x="0" y="0"/>
-          <a:chExt cx="0" cy="0"/>
-        </a:xfrm>
-      </p:grpSpPr>
-      <p:sp>
-        <p:nvSpPr>
-          <p:cNvPr id="2" name="Title 1">
-            <a:extLst>
-              <a:ext uri="{FF2B5EF4-FFF2-40B4-BE49-F238E27FC236}">
-                <a16:creationId xmlns:a16="http://schemas.microsoft.com/office/drawing/2014/main" id="{500616B7-8DA9-414D-94FC-6113152133A8}"/>
-              </a:ext>
-            </a:extLst>
-          </p:cNvPr>
-          <p:cNvSpPr>
-            <a:spLocks noGrp="1"/>
-          </p:cNvSpPr>
-          <p:nvPr>
-            <p:ph type="title"/>
-          </p:nvPr>
-        </p:nvSpPr>
-        <p:spPr>
-          <a:xfrm>
-            <a:off x="913795" y="609600"/>
-            <a:ext cx="10353762" cy="1257300"/>
-          </a:xfrm>
-        </p:spPr>
-        <p:txBody>
-          <a:bodyPr>
-            <a:normAutofit/>
-          </a:bodyPr>
-          <a:lstStyle/>
-          <a:p>
-            <a:r>
-              <a:rPr lang="en-GB">
-                <a:ea typeface="+mn-lt"/>
-                <a:cs typeface="+mn-lt"/>
-              </a:rPr>
-              <a:t>CONCLUSION</a:t>
-            </a:r>
-            <a:endParaRPr lang="en-IN"/>
-          </a:p>
-        </p:txBody>
-      </p:sp>
-      <p:graphicFrame>
-        <p:nvGraphicFramePr>
-          <p:cNvPr id="7" name="Content Placeholder 2">
-            <a:extLst>
-              <a:ext uri="{FF2B5EF4-FFF2-40B4-BE49-F238E27FC236}">
-                <a16:creationId xmlns:a16="http://schemas.microsoft.com/office/drawing/2014/main" id="{4B0D9386-EA29-4498-AA34-A41FFB8AAE66}"/>
-              </a:ext>
-            </a:extLst>
-          </p:cNvPr>
-          <p:cNvGraphicFramePr>
-            <a:graphicFrameLocks noGrp="1"/>
-          </p:cNvGraphicFramePr>
-          <p:nvPr>
-            <p:ph idx="1"/>
-            <p:extLst>
-              <p:ext uri="{D42A27DB-BD31-4B8C-83A1-F6EECF244321}">
-                <p14:modId xmlns:p14="http://schemas.microsoft.com/office/powerpoint/2010/main" val="2767783619"/>
-              </p:ext>
-            </p:extLst>
-          </p:nvPr>
-        </p:nvGraphicFramePr>
-        <p:xfrm>
-          <a:off x="914400" y="2076450"/>
-          <a:ext cx="10353675" cy="3714750"/>
-        </p:xfrm>
-        <a:graphic>
-          <a:graphicData uri="http://schemas.openxmlformats.org/drawingml/2006/diagram">
-            <dgm:relIds xmlns:dgm="http://schemas.openxmlformats.org/drawingml/2006/diagram" xmlns:r="http://schemas.openxmlformats.org/officeDocument/2006/relationships" r:dm="rId3" r:lo="rId4" r:qs="rId5" r:cs="rId6"/>
-          </a:graphicData>
-        </a:graphic>
-      </p:graphicFrame>
-    </p:spTree>
-    <p:extLst>
-      <p:ext uri="{BB962C8B-B14F-4D97-AF65-F5344CB8AC3E}">
-        <p14:creationId xmlns:p14="http://schemas.microsoft.com/office/powerpoint/2010/main" val="2617016903"/>
-      </p:ext>
-    </p:extLst>
-  </p:cSld>
-  <p:clrMapOvr>
-    <a:masterClrMapping/>
-  </p:clrMapOvr>
-</p:sld>
-</file>
-
-<file path=ppt/slides/slide9.xml><?xml version="1.0" encoding="utf-8"?>
 <p:sld xmlns:a="http://schemas.openxmlformats.org/drawingml/2006/main" xmlns:r="http://schemas.openxmlformats.org/officeDocument/2006/relationships" xmlns:p="http://schemas.openxmlformats.org/presentationml/2006/main">
   <p:cSld>
     <p:bg>
@@ -15865,7 +15539,7 @@
           </a:effectLst>
           <a:extLst>
             <a:ext uri="{91240B29-F687-4f45-9708-019B960494DF}">
-              <a14:hiddenLine xmlns="" xmlns:a16="http://schemas.microsoft.com/office/drawing/2014/main" xmlns:p14="http://schemas.microsoft.com/office/powerpoint/2010/main" xmlns:a14="http://schemas.microsoft.com/office/drawing/2010/main" w="9525">
+              <a14:hiddenLine xmlns:a14="http://schemas.microsoft.com/office/drawing/2010/main" xmlns:p14="http://schemas.microsoft.com/office/powerpoint/2010/main" xmlns:a16="http://schemas.microsoft.com/office/drawing/2014/main" xmlns="" w="9525">
                 <a:solidFill>
                   <a:srgbClr val="000000"/>
                 </a:solidFill>
@@ -15950,6 +15624,251 @@
   </p:cSld>
   <p:clrMapOvr>
     <a:masterClrMapping/>
+  </p:clrMapOvr>
+</p:sld>
+</file>
+
+<file path=ppt/slides/slide9.xml><?xml version="1.0" encoding="utf-8"?>
+<p:sld xmlns:a="http://schemas.openxmlformats.org/drawingml/2006/main" xmlns:r="http://schemas.openxmlformats.org/officeDocument/2006/relationships" xmlns:p="http://schemas.openxmlformats.org/presentationml/2006/main">
+  <p:cSld>
+    <p:bg>
+      <p:bgPr>
+        <a:solidFill>
+          <a:schemeClr val="bg1"/>
+        </a:solidFill>
+        <a:effectLst/>
+      </p:bgPr>
+    </p:bg>
+    <p:spTree>
+      <p:nvGrpSpPr>
+        <p:cNvPr id="1" name=""/>
+        <p:cNvGrpSpPr/>
+        <p:nvPr/>
+      </p:nvGrpSpPr>
+      <p:grpSpPr>
+        <a:xfrm>
+          <a:off x="0" y="0"/>
+          <a:ext cx="0" cy="0"/>
+          <a:chOff x="0" y="0"/>
+          <a:chExt cx="0" cy="0"/>
+        </a:xfrm>
+      </p:grpSpPr>
+      <p:sp useBgFill="1">
+        <p:nvSpPr>
+          <p:cNvPr id="8" name="Rectangle 7">
+            <a:extLst>
+              <a:ext uri="{FF2B5EF4-FFF2-40B4-BE49-F238E27FC236}">
+                <a16:creationId xmlns:a16="http://schemas.microsoft.com/office/drawing/2014/main" id="{7CFAC9FD-BAD6-47B4-9C11-BE23CEAC750B}"/>
+              </a:ext>
+              <a:ext uri="{C183D7F6-B498-43B3-948B-1728B52AA6E4}">
+                <adec:decorative xmlns:adec="http://schemas.microsoft.com/office/drawing/2017/decorative" val="1"/>
+              </a:ext>
+            </a:extLst>
+          </p:cNvPr>
+          <p:cNvSpPr>
+            <a:spLocks noGrp="1" noRot="1" noChangeAspect="1" noMove="1" noResize="1" noEditPoints="1" noAdjustHandles="1" noChangeArrowheads="1" noChangeShapeType="1" noTextEdit="1"/>
+          </p:cNvSpPr>
+          <p:nvPr>
+            <p:extLst>
+              <p:ext uri="{386F3935-93C4-4BCD-93E2-E3B085C9AB24}">
+                <p16:designElem xmlns:p16="http://schemas.microsoft.com/office/powerpoint/2015/main" val="1"/>
+              </p:ext>
+            </p:extLst>
+          </p:nvPr>
+        </p:nvSpPr>
+        <p:spPr>
+          <a:xfrm>
+            <a:off x="0" y="0"/>
+            <a:ext cx="12192000" cy="6858000"/>
+          </a:xfrm>
+          <a:prstGeom prst="rect">
+            <a:avLst/>
+          </a:prstGeom>
+          <a:ln>
+            <a:noFill/>
+          </a:ln>
+        </p:spPr>
+        <p:style>
+          <a:lnRef idx="2">
+            <a:schemeClr val="accent1">
+              <a:shade val="50000"/>
+            </a:schemeClr>
+          </a:lnRef>
+          <a:fillRef idx="1">
+            <a:schemeClr val="accent1"/>
+          </a:fillRef>
+          <a:effectRef idx="0">
+            <a:schemeClr val="accent1"/>
+          </a:effectRef>
+          <a:fontRef idx="minor">
+            <a:schemeClr val="lt1"/>
+          </a:fontRef>
+        </p:style>
+        <p:txBody>
+          <a:bodyPr rtlCol="0" anchor="ctr"/>
+          <a:lstStyle/>
+          <a:p>
+            <a:pPr algn="ctr"/>
+            <a:endParaRPr lang="en-US"/>
+          </a:p>
+        </p:txBody>
+      </p:sp>
+      <p:sp>
+        <p:nvSpPr>
+          <p:cNvPr id="10" name="Rectangle 9">
+            <a:extLst>
+              <a:ext uri="{FF2B5EF4-FFF2-40B4-BE49-F238E27FC236}">
+                <a16:creationId xmlns:a16="http://schemas.microsoft.com/office/drawing/2014/main" id="{45B67B9C-9B45-4084-9BB5-187071EE9A61}"/>
+              </a:ext>
+              <a:ext uri="{C183D7F6-B498-43B3-948B-1728B52AA6E4}">
+                <adec:decorative xmlns:adec="http://schemas.microsoft.com/office/drawing/2017/decorative" val="1"/>
+              </a:ext>
+            </a:extLst>
+          </p:cNvPr>
+          <p:cNvSpPr>
+            <a:spLocks noGrp="1" noRot="1" noChangeAspect="1" noMove="1" noResize="1" noEditPoints="1" noAdjustHandles="1" noChangeArrowheads="1" noChangeShapeType="1" noTextEdit="1"/>
+          </p:cNvSpPr>
+          <p:nvPr>
+            <p:extLst>
+              <p:ext uri="{386F3935-93C4-4BCD-93E2-E3B085C9AB24}">
+                <p16:designElem xmlns:p16="http://schemas.microsoft.com/office/powerpoint/2015/main" val="1"/>
+              </p:ext>
+            </p:extLst>
+          </p:nvPr>
+        </p:nvSpPr>
+        <p:spPr>
+          <a:xfrm>
+            <a:off x="-1" y="0"/>
+            <a:ext cx="4654287" cy="6858000"/>
+          </a:xfrm>
+          <a:prstGeom prst="rect">
+            <a:avLst/>
+          </a:prstGeom>
+          <a:ln>
+            <a:noFill/>
+          </a:ln>
+        </p:spPr>
+        <p:style>
+          <a:lnRef idx="2">
+            <a:schemeClr val="accent1">
+              <a:shade val="50000"/>
+            </a:schemeClr>
+          </a:lnRef>
+          <a:fillRef idx="1003">
+            <a:schemeClr val="dk2"/>
+          </a:fillRef>
+          <a:effectRef idx="0">
+            <a:schemeClr val="accent1"/>
+          </a:effectRef>
+          <a:fontRef idx="minor">
+            <a:schemeClr val="lt1"/>
+          </a:fontRef>
+        </p:style>
+        <p:txBody>
+          <a:bodyPr rtlCol="0" anchor="ctr"/>
+          <a:lstStyle/>
+          <a:p>
+            <a:pPr algn="ctr"/>
+            <a:endParaRPr lang="en-US"/>
+          </a:p>
+        </p:txBody>
+      </p:sp>
+      <p:sp>
+        <p:nvSpPr>
+          <p:cNvPr id="2" name="Title 1">
+            <a:extLst>
+              <a:ext uri="{FF2B5EF4-FFF2-40B4-BE49-F238E27FC236}">
+                <a16:creationId xmlns:a16="http://schemas.microsoft.com/office/drawing/2014/main" id="{88C9EE26-CA64-4A97-A59C-1B58361EDB69}"/>
+              </a:ext>
+            </a:extLst>
+          </p:cNvPr>
+          <p:cNvSpPr>
+            <a:spLocks noGrp="1"/>
+          </p:cNvSpPr>
+          <p:nvPr>
+            <p:ph type="title"/>
+          </p:nvPr>
+        </p:nvSpPr>
+        <p:spPr>
+          <a:xfrm>
+            <a:off x="695916" y="1078264"/>
+            <a:ext cx="3422930" cy="4701473"/>
+          </a:xfrm>
+        </p:spPr>
+        <p:txBody>
+          <a:bodyPr>
+            <a:normAutofit/>
+          </a:bodyPr>
+          <a:lstStyle/>
+          <a:p>
+            <a:pPr algn="r"/>
+            <a:r>
+              <a:rPr lang="en-GB" sz="3700" dirty="0">
+                <a:ln>
+                  <a:solidFill>
+                    <a:srgbClr val="000000">
+                      <a:lumMod val="75000"/>
+                      <a:lumOff val="25000"/>
+                      <a:alpha val="10000"/>
+                    </a:srgbClr>
+                  </a:solidFill>
+                </a:ln>
+                <a:solidFill>
+                  <a:srgbClr val="FFFFFF"/>
+                </a:solidFill>
+                <a:effectLst>
+                  <a:outerShdw blurRad="9525" dist="25400" dir="14640000" algn="tl" rotWithShape="0">
+                    <a:srgbClr val="000000">
+                      <a:alpha val="30000"/>
+                    </a:srgbClr>
+                  </a:outerShdw>
+                </a:effectLst>
+              </a:rPr>
+              <a:t>CONCULSION</a:t>
+            </a:r>
+            <a:endParaRPr lang="en-GB" sz="3700" dirty="0">
+              <a:solidFill>
+                <a:srgbClr val="FFFFFF"/>
+              </a:solidFill>
+            </a:endParaRPr>
+          </a:p>
+        </p:txBody>
+      </p:sp>
+      <p:graphicFrame>
+        <p:nvGraphicFramePr>
+          <p:cNvPr id="14" name="Content Placeholder 2">
+            <a:extLst>
+              <a:ext uri="{FF2B5EF4-FFF2-40B4-BE49-F238E27FC236}">
+                <a16:creationId xmlns:a16="http://schemas.microsoft.com/office/drawing/2014/main" id="{9DFB330E-16C5-4971-816C-1045CC945AD0}"/>
+              </a:ext>
+            </a:extLst>
+          </p:cNvPr>
+          <p:cNvGraphicFramePr>
+            <a:graphicFrameLocks noGrp="1"/>
+          </p:cNvGraphicFramePr>
+          <p:nvPr>
+            <p:ph idx="1"/>
+          </p:nvPr>
+        </p:nvGraphicFramePr>
+        <p:xfrm>
+          <a:off x="5114167" y="1078263"/>
+          <a:ext cx="6117578" cy="4701474"/>
+        </p:xfrm>
+        <a:graphic>
+          <a:graphicData uri="http://schemas.openxmlformats.org/drawingml/2006/diagram">
+            <dgm:relIds xmlns:dgm="http://schemas.openxmlformats.org/drawingml/2006/diagram" xmlns:r="http://schemas.openxmlformats.org/officeDocument/2006/relationships" r:dm="rId2" r:lo="rId3" r:qs="rId4" r:cs="rId5"/>
+          </a:graphicData>
+        </a:graphic>
+      </p:graphicFrame>
+    </p:spTree>
+    <p:extLst>
+      <p:ext uri="{BB962C8B-B14F-4D97-AF65-F5344CB8AC3E}">
+        <p14:creationId xmlns:p14="http://schemas.microsoft.com/office/powerpoint/2010/main" val="3131446378"/>
+      </p:ext>
+    </p:extLst>
+  </p:cSld>
+  <p:clrMapOvr>
+    <a:overrideClrMapping bg1="lt1" tx1="dk1" bg2="lt2" tx2="dk2" accent1="accent1" accent2="accent2" accent3="accent3" accent4="accent4" accent5="accent5" accent6="accent6" hlink="hlink" folHlink="folHlink"/>
   </p:clrMapOvr>
 </p:sld>
 </file>
